--- a/빈틈 계획서.pptx
+++ b/빈틈 계획서.pptx
@@ -2,20 +2,20 @@
 <file path=ppt/presentation.xml><?xml version="1.0" encoding="utf-8"?>
 <p:presentation xmlns:a="http://schemas.openxmlformats.org/drawingml/2006/main" xmlns:r="http://schemas.openxmlformats.org/officeDocument/2006/relationships" xmlns:p="http://schemas.openxmlformats.org/presentationml/2006/main" saveSubsetFonts="1">
   <p:sldMasterIdLst>
-    <p:sldMasterId id="2147483648" r:id="rId53"/>
+    <p:sldMasterId id="2147483648" r:id="rId54"/>
   </p:sldMasterIdLst>
   <p:sldIdLst>
-    <p:sldId id="256" r:id="rId54"/>
-    <p:sldId id="262" r:id="rId55"/>
-    <p:sldId id="257" r:id="rId56"/>
-    <p:sldId id="266" r:id="rId57"/>
-    <p:sldId id="265" r:id="rId58"/>
-    <p:sldId id="258" r:id="rId59"/>
-    <p:sldId id="259" r:id="rId60"/>
-    <p:sldId id="263" r:id="rId61"/>
-    <p:sldId id="264" r:id="rId62"/>
-    <p:sldId id="260" r:id="rId63"/>
-    <p:sldId id="261" r:id="rId64"/>
+    <p:sldId id="256" r:id="rId55"/>
+    <p:sldId id="262" r:id="rId56"/>
+    <p:sldId id="257" r:id="rId57"/>
+    <p:sldId id="266" r:id="rId58"/>
+    <p:sldId id="265" r:id="rId59"/>
+    <p:sldId id="258" r:id="rId60"/>
+    <p:sldId id="259" r:id="rId61"/>
+    <p:sldId id="263" r:id="rId62"/>
+    <p:sldId id="264" r:id="rId63"/>
+    <p:sldId id="260" r:id="rId64"/>
+    <p:sldId id="261" r:id="rId65"/>
   </p:sldIdLst>
   <p:sldSz cx="12192000" cy="6858000"/>
   <p:notesSz cx="6858000" cy="9144000"/>
@@ -124,6 +124,213 @@
 
 <file path=ppt/changesInfos/changesInfo1.xml><?xml version="1.0" encoding="utf-8"?>
 <pc:chgInfo xmlns:a="http://schemas.openxmlformats.org/drawingml/2006/main" xmlns:r="http://schemas.openxmlformats.org/officeDocument/2006/relationships" xmlns:ac="http://schemas.microsoft.com/office/drawing/2013/main/command" xmlns:pc="http://schemas.microsoft.com/office/powerpoint/2013/main/command">
+  <pc:docChgLst>
+    <pc:chgData name="JEONGWON LEE" userId="2f01d0a345388971" providerId="LiveId" clId="{C1632F16-D318-4E9C-97CD-FF38F5F467DA}"/>
+    <pc:docChg chg="custSel modSld">
+      <pc:chgData name="JEONGWON LEE" userId="2f01d0a345388971" providerId="LiveId" clId="{C1632F16-D318-4E9C-97CD-FF38F5F467DA}" dt="2018-02-26T06:43:31.696" v="140" actId="1076"/>
+      <pc:docMkLst>
+        <pc:docMk/>
+      </pc:docMkLst>
+      <pc:sldChg chg="addSp modSp">
+        <pc:chgData name="JEONGWON LEE" userId="2f01d0a345388971" providerId="LiveId" clId="{C1632F16-D318-4E9C-97CD-FF38F5F467DA}" dt="2018-02-26T06:36:01.276" v="139" actId="20577"/>
+        <pc:sldMkLst>
+          <pc:docMk/>
+          <pc:sldMk cId="3995764115" sldId="257"/>
+        </pc:sldMkLst>
+        <pc:spChg chg="add mod">
+          <ac:chgData name="JEONGWON LEE" userId="2f01d0a345388971" providerId="LiveId" clId="{C1632F16-D318-4E9C-97CD-FF38F5F467DA}" dt="2018-02-26T05:23:57.189" v="58"/>
+          <ac:spMkLst>
+            <pc:docMk/>
+            <pc:sldMk cId="3995764115" sldId="257"/>
+            <ac:spMk id="24" creationId="{A8D963BB-1A07-4285-920C-F5EF2B2300D8}"/>
+          </ac:spMkLst>
+        </pc:spChg>
+        <pc:spChg chg="add mod">
+          <ac:chgData name="JEONGWON LEE" userId="2f01d0a345388971" providerId="LiveId" clId="{C1632F16-D318-4E9C-97CD-FF38F5F467DA}" dt="2018-02-26T06:36:01.276" v="139" actId="20577"/>
+          <ac:spMkLst>
+            <pc:docMk/>
+            <pc:sldMk cId="3995764115" sldId="257"/>
+            <ac:spMk id="25" creationId="{A16B7F59-FB2D-4ED5-8927-B5473D531CE0}"/>
+          </ac:spMkLst>
+        </pc:spChg>
+        <pc:spChg chg="add mod">
+          <ac:chgData name="JEONGWON LEE" userId="2f01d0a345388971" providerId="LiveId" clId="{C1632F16-D318-4E9C-97CD-FF38F5F467DA}" dt="2018-02-26T06:35:32.421" v="80" actId="20577"/>
+          <ac:spMkLst>
+            <pc:docMk/>
+            <pc:sldMk cId="3995764115" sldId="257"/>
+            <ac:spMk id="26" creationId="{DC720F83-A999-440B-B927-ED4E107AF72C}"/>
+          </ac:spMkLst>
+        </pc:spChg>
+        <pc:spChg chg="mod">
+          <ac:chgData name="JEONGWON LEE" userId="2f01d0a345388971" providerId="LiveId" clId="{C1632F16-D318-4E9C-97CD-FF38F5F467DA}" dt="2018-02-26T05:23:52.926" v="48" actId="404"/>
+          <ac:spMkLst>
+            <pc:docMk/>
+            <pc:sldMk cId="3995764115" sldId="257"/>
+            <ac:spMk id="30" creationId="{767EEFA4-4BC8-43D6-B9CB-C84E5E34B730}"/>
+          </ac:spMkLst>
+        </pc:spChg>
+        <pc:spChg chg="mod">
+          <ac:chgData name="JEONGWON LEE" userId="2f01d0a345388971" providerId="LiveId" clId="{C1632F16-D318-4E9C-97CD-FF38F5F467DA}" dt="2018-02-26T05:24:05.650" v="64"/>
+          <ac:spMkLst>
+            <pc:docMk/>
+            <pc:sldMk cId="3995764115" sldId="257"/>
+            <ac:spMk id="31" creationId="{33961F63-BD6A-4721-A927-EDFA05DED603}"/>
+          </ac:spMkLst>
+        </pc:spChg>
+      </pc:sldChg>
+      <pc:sldChg chg="modSp">
+        <pc:chgData name="JEONGWON LEE" userId="2f01d0a345388971" providerId="LiveId" clId="{C1632F16-D318-4E9C-97CD-FF38F5F467DA}" dt="2018-02-26T06:43:31.696" v="140" actId="1076"/>
+        <pc:sldMkLst>
+          <pc:docMk/>
+          <pc:sldMk cId="2826448814" sldId="259"/>
+        </pc:sldMkLst>
+        <pc:spChg chg="mod">
+          <ac:chgData name="JEONGWON LEE" userId="2f01d0a345388971" providerId="LiveId" clId="{C1632F16-D318-4E9C-97CD-FF38F5F467DA}" dt="2018-02-26T06:43:31.696" v="140" actId="1076"/>
+          <ac:spMkLst>
+            <pc:docMk/>
+            <pc:sldMk cId="2826448814" sldId="259"/>
+            <ac:spMk id="42" creationId="{E67FF75C-B568-43BA-BEAA-2CBA927A866E}"/>
+          </ac:spMkLst>
+        </pc:spChg>
+        <pc:spChg chg="mod">
+          <ac:chgData name="JEONGWON LEE" userId="2f01d0a345388971" providerId="LiveId" clId="{C1632F16-D318-4E9C-97CD-FF38F5F467DA}" dt="2018-02-26T06:43:31.696" v="140" actId="1076"/>
+          <ac:spMkLst>
+            <pc:docMk/>
+            <pc:sldMk cId="2826448814" sldId="259"/>
+            <ac:spMk id="43" creationId="{AF48BAAF-CD0C-4B1F-856F-B7399E0F8951}"/>
+          </ac:spMkLst>
+        </pc:spChg>
+        <pc:spChg chg="mod">
+          <ac:chgData name="JEONGWON LEE" userId="2f01d0a345388971" providerId="LiveId" clId="{C1632F16-D318-4E9C-97CD-FF38F5F467DA}" dt="2018-02-26T06:43:31.696" v="140" actId="1076"/>
+          <ac:spMkLst>
+            <pc:docMk/>
+            <pc:sldMk cId="2826448814" sldId="259"/>
+            <ac:spMk id="57" creationId="{7875AB76-20AE-4D0E-A085-E050848922C3}"/>
+          </ac:spMkLst>
+        </pc:spChg>
+        <pc:spChg chg="mod">
+          <ac:chgData name="JEONGWON LEE" userId="2f01d0a345388971" providerId="LiveId" clId="{C1632F16-D318-4E9C-97CD-FF38F5F467DA}" dt="2018-02-26T06:43:31.696" v="140" actId="1076"/>
+          <ac:spMkLst>
+            <pc:docMk/>
+            <pc:sldMk cId="2826448814" sldId="259"/>
+            <ac:spMk id="58" creationId="{D7F7EBCF-84D1-4F65-9973-967EBB32CCF1}"/>
+          </ac:spMkLst>
+        </pc:spChg>
+        <pc:spChg chg="mod">
+          <ac:chgData name="JEONGWON LEE" userId="2f01d0a345388971" providerId="LiveId" clId="{C1632F16-D318-4E9C-97CD-FF38F5F467DA}" dt="2018-02-26T06:43:31.696" v="140" actId="1076"/>
+          <ac:spMkLst>
+            <pc:docMk/>
+            <pc:sldMk cId="2826448814" sldId="259"/>
+            <ac:spMk id="68" creationId="{2F4595A9-BCD0-4CC9-AA76-11E3FF763D26}"/>
+          </ac:spMkLst>
+        </pc:spChg>
+        <pc:spChg chg="mod">
+          <ac:chgData name="JEONGWON LEE" userId="2f01d0a345388971" providerId="LiveId" clId="{C1632F16-D318-4E9C-97CD-FF38F5F467DA}" dt="2018-02-26T06:43:31.696" v="140" actId="1076"/>
+          <ac:spMkLst>
+            <pc:docMk/>
+            <pc:sldMk cId="2826448814" sldId="259"/>
+            <ac:spMk id="69" creationId="{A4FDC1B5-5FF5-4190-B49F-CEA402DD839D}"/>
+          </ac:spMkLst>
+        </pc:spChg>
+        <pc:spChg chg="mod">
+          <ac:chgData name="JEONGWON LEE" userId="2f01d0a345388971" providerId="LiveId" clId="{C1632F16-D318-4E9C-97CD-FF38F5F467DA}" dt="2018-02-26T06:43:31.696" v="140" actId="1076"/>
+          <ac:spMkLst>
+            <pc:docMk/>
+            <pc:sldMk cId="2826448814" sldId="259"/>
+            <ac:spMk id="80" creationId="{0C13F1BB-53C3-4405-8B13-C92E179A6AAC}"/>
+          </ac:spMkLst>
+        </pc:spChg>
+        <pc:spChg chg="mod">
+          <ac:chgData name="JEONGWON LEE" userId="2f01d0a345388971" providerId="LiveId" clId="{C1632F16-D318-4E9C-97CD-FF38F5F467DA}" dt="2018-02-26T06:43:31.696" v="140" actId="1076"/>
+          <ac:spMkLst>
+            <pc:docMk/>
+            <pc:sldMk cId="2826448814" sldId="259"/>
+            <ac:spMk id="91" creationId="{F2776578-F55E-481E-8EEC-1EC07F3CDA5F}"/>
+          </ac:spMkLst>
+        </pc:spChg>
+        <pc:grpChg chg="mod">
+          <ac:chgData name="JEONGWON LEE" userId="2f01d0a345388971" providerId="LiveId" clId="{C1632F16-D318-4E9C-97CD-FF38F5F467DA}" dt="2018-02-26T06:43:31.696" v="140" actId="1076"/>
+          <ac:grpSpMkLst>
+            <pc:docMk/>
+            <pc:sldMk cId="2826448814" sldId="259"/>
+            <ac:grpSpMk id="44" creationId="{0E35460B-D41D-4FF2-BB77-A59DD4E2C39E}"/>
+          </ac:grpSpMkLst>
+        </pc:grpChg>
+        <pc:grpChg chg="mod">
+          <ac:chgData name="JEONGWON LEE" userId="2f01d0a345388971" providerId="LiveId" clId="{C1632F16-D318-4E9C-97CD-FF38F5F467DA}" dt="2018-02-26T06:43:31.696" v="140" actId="1076"/>
+          <ac:grpSpMkLst>
+            <pc:docMk/>
+            <pc:sldMk cId="2826448814" sldId="259"/>
+            <ac:grpSpMk id="48" creationId="{2EBE7713-EF61-4772-ABF0-E55DC6E1C5C4}"/>
+          </ac:grpSpMkLst>
+        </pc:grpChg>
+        <pc:grpChg chg="mod">
+          <ac:chgData name="JEONGWON LEE" userId="2f01d0a345388971" providerId="LiveId" clId="{C1632F16-D318-4E9C-97CD-FF38F5F467DA}" dt="2018-02-26T06:43:31.696" v="140" actId="1076"/>
+          <ac:grpSpMkLst>
+            <pc:docMk/>
+            <pc:sldMk cId="2826448814" sldId="259"/>
+            <ac:grpSpMk id="54" creationId="{7DBFEA3D-ADB4-44BB-B72C-99976C0602B5}"/>
+          </ac:grpSpMkLst>
+        </pc:grpChg>
+        <pc:grpChg chg="mod">
+          <ac:chgData name="JEONGWON LEE" userId="2f01d0a345388971" providerId="LiveId" clId="{C1632F16-D318-4E9C-97CD-FF38F5F467DA}" dt="2018-02-26T06:43:31.696" v="140" actId="1076"/>
+          <ac:grpSpMkLst>
+            <pc:docMk/>
+            <pc:sldMk cId="2826448814" sldId="259"/>
+            <ac:grpSpMk id="59" creationId="{200F8C04-51ED-4E4A-B5FC-AE3BC108ACFD}"/>
+          </ac:grpSpMkLst>
+        </pc:grpChg>
+        <pc:grpChg chg="mod">
+          <ac:chgData name="JEONGWON LEE" userId="2f01d0a345388971" providerId="LiveId" clId="{C1632F16-D318-4E9C-97CD-FF38F5F467DA}" dt="2018-02-26T06:43:31.696" v="140" actId="1076"/>
+          <ac:grpSpMkLst>
+            <pc:docMk/>
+            <pc:sldMk cId="2826448814" sldId="259"/>
+            <ac:grpSpMk id="81" creationId="{71C0CCEC-A49B-463C-8167-D6061A2DDB69}"/>
+          </ac:grpSpMkLst>
+        </pc:grpChg>
+        <pc:grpChg chg="mod">
+          <ac:chgData name="JEONGWON LEE" userId="2f01d0a345388971" providerId="LiveId" clId="{C1632F16-D318-4E9C-97CD-FF38F5F467DA}" dt="2018-02-26T06:43:31.696" v="140" actId="1076"/>
+          <ac:grpSpMkLst>
+            <pc:docMk/>
+            <pc:sldMk cId="2826448814" sldId="259"/>
+            <ac:grpSpMk id="93" creationId="{A73B8409-8552-4E4E-9EE3-8851C8655CA9}"/>
+          </ac:grpSpMkLst>
+        </pc:grpChg>
+        <pc:grpChg chg="mod">
+          <ac:chgData name="JEONGWON LEE" userId="2f01d0a345388971" providerId="LiveId" clId="{C1632F16-D318-4E9C-97CD-FF38F5F467DA}" dt="2018-02-26T06:43:31.696" v="140" actId="1076"/>
+          <ac:grpSpMkLst>
+            <pc:docMk/>
+            <pc:sldMk cId="2826448814" sldId="259"/>
+            <ac:grpSpMk id="98" creationId="{FCF6E472-9B89-4573-845F-08357DC75030}"/>
+          </ac:grpSpMkLst>
+        </pc:grpChg>
+        <pc:grpChg chg="mod">
+          <ac:chgData name="JEONGWON LEE" userId="2f01d0a345388971" providerId="LiveId" clId="{C1632F16-D318-4E9C-97CD-FF38F5F467DA}" dt="2018-02-26T06:43:31.696" v="140" actId="1076"/>
+          <ac:grpSpMkLst>
+            <pc:docMk/>
+            <pc:sldMk cId="2826448814" sldId="259"/>
+            <ac:grpSpMk id="102" creationId="{08F2BBFE-E5C1-4597-92D5-168076397D56}"/>
+          </ac:grpSpMkLst>
+        </pc:grpChg>
+        <pc:grpChg chg="mod">
+          <ac:chgData name="JEONGWON LEE" userId="2f01d0a345388971" providerId="LiveId" clId="{C1632F16-D318-4E9C-97CD-FF38F5F467DA}" dt="2018-02-26T06:43:31.696" v="140" actId="1076"/>
+          <ac:grpSpMkLst>
+            <pc:docMk/>
+            <pc:sldMk cId="2826448814" sldId="259"/>
+            <ac:grpSpMk id="110" creationId="{4FC24CBF-D3E2-45B9-B9B2-BF3241CE19BA}"/>
+          </ac:grpSpMkLst>
+        </pc:grpChg>
+        <pc:picChg chg="mod">
+          <ac:chgData name="JEONGWON LEE" userId="2f01d0a345388971" providerId="LiveId" clId="{C1632F16-D318-4E9C-97CD-FF38F5F467DA}" dt="2018-02-26T06:43:31.696" v="140" actId="1076"/>
+          <ac:picMkLst>
+            <pc:docMk/>
+            <pc:sldMk cId="2826448814" sldId="259"/>
+            <ac:picMk id="101" creationId="{AA884893-8E27-45A4-B84F-FD1A05416B3E}"/>
+          </ac:picMkLst>
+        </pc:picChg>
+      </pc:sldChg>
+    </pc:docChg>
+  </pc:docChgLst>
   <pc:docChgLst>
     <pc:chgData name="JEONGWON LEE" userId="2f01d0a345388971" providerId="LiveId" clId="{0D4B1071-1CB2-458A-964A-AC61C65BD5BA}"/>
     <pc:docChg chg="undo custSel addSld modSld sldOrd">
@@ -259,7 +466,7 @@
         </pc:picChg>
       </pc:sldChg>
       <pc:sldChg chg="addSp delSp modSp add ord">
-        <pc:chgData name="JEONGWON LEE" userId="2f01d0a345388971" providerId="LiveId" clId="{0D4B1071-1CB2-458A-964A-AC61C65BD5BA}" dt="2018-02-12T15:13:22.524" v="106"/>
+        <pc:chgData name="JEONGWON LEE" userId="2f01d0a345388971" providerId="LiveId" clId="{0D4B1071-1CB2-458A-964A-AC61C65BD5BA}" dt="2018-02-12T15:13:22.524" v="106" actId="20577"/>
         <pc:sldMkLst>
           <pc:docMk/>
           <pc:sldMk cId="1536073714" sldId="263"/>
@@ -273,7 +480,7 @@
           </ac:spMkLst>
         </pc:spChg>
         <pc:spChg chg="add del">
-          <ac:chgData name="JEONGWON LEE" userId="2f01d0a345388971" providerId="LiveId" clId="{0D4B1071-1CB2-458A-964A-AC61C65BD5BA}" dt="2018-02-12T15:08:22.578" v="38"/>
+          <ac:chgData name="JEONGWON LEE" userId="2f01d0a345388971" providerId="LiveId" clId="{0D4B1071-1CB2-458A-964A-AC61C65BD5BA}" dt="2018-02-12T15:08:22.578" v="38" actId="20577"/>
           <ac:spMkLst>
             <pc:docMk/>
             <pc:sldMk cId="1536073714" sldId="263"/>
@@ -345,7 +552,7 @@
           </ac:spMkLst>
         </pc:spChg>
         <pc:grpChg chg="add">
-          <ac:chgData name="JEONGWON LEE" userId="2f01d0a345388971" providerId="LiveId" clId="{0D4B1071-1CB2-458A-964A-AC61C65BD5BA}" dt="2018-02-12T15:11:03.577" v="73"/>
+          <ac:chgData name="JEONGWON LEE" userId="2f01d0a345388971" providerId="LiveId" clId="{0D4B1071-1CB2-458A-964A-AC61C65BD5BA}" dt="2018-02-12T15:11:03.577" v="73" actId="20577"/>
           <ac:grpSpMkLst>
             <pc:docMk/>
             <pc:sldMk cId="1536073714" sldId="263"/>
@@ -416,7 +623,7 @@
           <pc:sldMk cId="3195598657" sldId="264"/>
         </pc:sldMkLst>
         <pc:spChg chg="mod">
-          <ac:chgData name="JEONGWON LEE" userId="2f01d0a345388971" providerId="LiveId" clId="{0D4B1071-1CB2-458A-964A-AC61C65BD5BA}" dt="2018-02-12T15:13:08.679" v="95"/>
+          <ac:chgData name="JEONGWON LEE" userId="2f01d0a345388971" providerId="LiveId" clId="{0D4B1071-1CB2-458A-964A-AC61C65BD5BA}" dt="2018-02-12T15:13:08.679" v="95" actId="1076"/>
           <ac:spMkLst>
             <pc:docMk/>
             <pc:sldMk cId="3195598657" sldId="264"/>
@@ -464,7 +671,7 @@
           </ac:spMkLst>
         </pc:spChg>
         <pc:spChg chg="mod">
-          <ac:chgData name="JEONGWON LEE" userId="2f01d0a345388971" providerId="LiveId" clId="{0D4B1071-1CB2-458A-964A-AC61C65BD5BA}" dt="2018-02-12T15:13:17.048" v="105"/>
+          <ac:chgData name="JEONGWON LEE" userId="2f01d0a345388971" providerId="LiveId" clId="{0D4B1071-1CB2-458A-964A-AC61C65BD5BA}" dt="2018-02-12T15:13:17.048" v="105" actId="1076"/>
           <ac:spMkLst>
             <pc:docMk/>
             <pc:sldMk cId="3195598657" sldId="264"/>
@@ -495,7 +702,7 @@
           </ac:spMkLst>
         </pc:spChg>
         <pc:spChg chg="add mod">
-          <ac:chgData name="JEONGWON LEE" userId="2f01d0a345388971" providerId="LiveId" clId="{0D4B1071-1CB2-458A-964A-AC61C65BD5BA}" dt="2018-02-12T15:15:28.903" v="139"/>
+          <ac:chgData name="JEONGWON LEE" userId="2f01d0a345388971" providerId="LiveId" clId="{0D4B1071-1CB2-458A-964A-AC61C65BD5BA}" dt="2018-02-12T15:15:28.903" v="139" actId="20577"/>
           <ac:spMkLst>
             <pc:docMk/>
             <pc:sldMk cId="2868531119" sldId="265"/>
@@ -512,7 +719,7 @@
         </pc:spChg>
       </pc:sldChg>
       <pc:sldChg chg="add">
-        <pc:chgData name="JEONGWON LEE" userId="2f01d0a345388971" providerId="LiveId" clId="{0D4B1071-1CB2-458A-964A-AC61C65BD5BA}" dt="2018-02-12T15:20:47.938" v="140"/>
+        <pc:chgData name="JEONGWON LEE" userId="2f01d0a345388971" providerId="LiveId" clId="{0D4B1071-1CB2-458A-964A-AC61C65BD5BA}" dt="2018-02-12T15:20:47.938" v="140" actId="20577"/>
         <pc:sldMkLst>
           <pc:docMk/>
           <pc:sldMk cId="2978474988" sldId="266"/>
@@ -670,7 +877,7 @@
           <a:p>
             <a:fld id="{350791B7-D3C2-4492-9285-E2EB7E1290B5}" type="datetimeFigureOut">
               <a:rPr lang="ko-KR" altLang="en-US" smtClean="0"/>
-              <a:t>2018-02-13</a:t>
+              <a:t>2018-02-26</a:t>
             </a:fld>
             <a:endParaRPr lang="ko-KR" altLang="en-US"/>
           </a:p>
@@ -868,7 +1075,7 @@
           <a:p>
             <a:fld id="{350791B7-D3C2-4492-9285-E2EB7E1290B5}" type="datetimeFigureOut">
               <a:rPr lang="ko-KR" altLang="en-US" smtClean="0"/>
-              <a:t>2018-02-13</a:t>
+              <a:t>2018-02-26</a:t>
             </a:fld>
             <a:endParaRPr lang="ko-KR" altLang="en-US"/>
           </a:p>
@@ -1076,7 +1283,7 @@
           <a:p>
             <a:fld id="{350791B7-D3C2-4492-9285-E2EB7E1290B5}" type="datetimeFigureOut">
               <a:rPr lang="ko-KR" altLang="en-US" smtClean="0"/>
-              <a:t>2018-02-13</a:t>
+              <a:t>2018-02-26</a:t>
             </a:fld>
             <a:endParaRPr lang="ko-KR" altLang="en-US"/>
           </a:p>
@@ -1274,7 +1481,7 @@
           <a:p>
             <a:fld id="{350791B7-D3C2-4492-9285-E2EB7E1290B5}" type="datetimeFigureOut">
               <a:rPr lang="ko-KR" altLang="en-US" smtClean="0"/>
-              <a:t>2018-02-13</a:t>
+              <a:t>2018-02-26</a:t>
             </a:fld>
             <a:endParaRPr lang="ko-KR" altLang="en-US"/>
           </a:p>
@@ -1549,7 +1756,7 @@
           <a:p>
             <a:fld id="{350791B7-D3C2-4492-9285-E2EB7E1290B5}" type="datetimeFigureOut">
               <a:rPr lang="ko-KR" altLang="en-US" smtClean="0"/>
-              <a:t>2018-02-13</a:t>
+              <a:t>2018-02-26</a:t>
             </a:fld>
             <a:endParaRPr lang="ko-KR" altLang="en-US"/>
           </a:p>
@@ -1814,7 +2021,7 @@
           <a:p>
             <a:fld id="{350791B7-D3C2-4492-9285-E2EB7E1290B5}" type="datetimeFigureOut">
               <a:rPr lang="ko-KR" altLang="en-US" smtClean="0"/>
-              <a:t>2018-02-13</a:t>
+              <a:t>2018-02-26</a:t>
             </a:fld>
             <a:endParaRPr lang="ko-KR" altLang="en-US"/>
           </a:p>
@@ -2226,7 +2433,7 @@
           <a:p>
             <a:fld id="{350791B7-D3C2-4492-9285-E2EB7E1290B5}" type="datetimeFigureOut">
               <a:rPr lang="ko-KR" altLang="en-US" smtClean="0"/>
-              <a:t>2018-02-13</a:t>
+              <a:t>2018-02-26</a:t>
             </a:fld>
             <a:endParaRPr lang="ko-KR" altLang="en-US"/>
           </a:p>
@@ -2367,7 +2574,7 @@
           <a:p>
             <a:fld id="{350791B7-D3C2-4492-9285-E2EB7E1290B5}" type="datetimeFigureOut">
               <a:rPr lang="ko-KR" altLang="en-US" smtClean="0"/>
-              <a:t>2018-02-13</a:t>
+              <a:t>2018-02-26</a:t>
             </a:fld>
             <a:endParaRPr lang="ko-KR" altLang="en-US"/>
           </a:p>
@@ -2480,7 +2687,7 @@
           <a:p>
             <a:fld id="{350791B7-D3C2-4492-9285-E2EB7E1290B5}" type="datetimeFigureOut">
               <a:rPr lang="ko-KR" altLang="en-US" smtClean="0"/>
-              <a:t>2018-02-13</a:t>
+              <a:t>2018-02-26</a:t>
             </a:fld>
             <a:endParaRPr lang="ko-KR" altLang="en-US"/>
           </a:p>
@@ -2791,7 +2998,7 @@
           <a:p>
             <a:fld id="{350791B7-D3C2-4492-9285-E2EB7E1290B5}" type="datetimeFigureOut">
               <a:rPr lang="ko-KR" altLang="en-US" smtClean="0"/>
-              <a:t>2018-02-13</a:t>
+              <a:t>2018-02-26</a:t>
             </a:fld>
             <a:endParaRPr lang="ko-KR" altLang="en-US"/>
           </a:p>
@@ -3079,7 +3286,7 @@
           <a:p>
             <a:fld id="{350791B7-D3C2-4492-9285-E2EB7E1290B5}" type="datetimeFigureOut">
               <a:rPr lang="ko-KR" altLang="en-US" smtClean="0"/>
-              <a:t>2018-02-13</a:t>
+              <a:t>2018-02-26</a:t>
             </a:fld>
             <a:endParaRPr lang="ko-KR" altLang="en-US"/>
           </a:p>
@@ -3320,7 +3527,7 @@
           <a:p>
             <a:fld id="{350791B7-D3C2-4492-9285-E2EB7E1290B5}" type="datetimeFigureOut">
               <a:rPr lang="ko-KR" altLang="en-US" smtClean="0"/>
-              <a:t>2018-02-13</a:t>
+              <a:t>2018-02-26</a:t>
             </a:fld>
             <a:endParaRPr lang="ko-KR" altLang="en-US"/>
           </a:p>
@@ -8401,7 +8608,7 @@
             <p:nvPr/>
           </p:nvPicPr>
           <p:blipFill>
-            <a:blip r:embed="rId7">
+            <a:blip r:embed="rId8">
               <a:lum bright="70000" contrast="-70000"/>
               <a:extLst>
                 <a:ext uri="{28A0092B-C50C-407E-A947-70E740481C1C}">
@@ -8834,7 +9041,7 @@
         </p:nvSpPr>
         <p:spPr>
           <a:xfrm>
-            <a:off x="2416100" y="3916624"/>
+            <a:off x="2416100" y="4151516"/>
             <a:ext cx="590142" cy="228600"/>
           </a:xfrm>
           <a:prstGeom prst="roundRect">
@@ -8879,15 +9086,19 @@
           <a:p>
             <a:pPr algn="ctr"/>
             <a:r>
-              <a:rPr lang="en-US" sz="1050" dirty="0">
-                <a:solidFill>
-                  <a:srgbClr val="000000"/>
-                </a:solidFill>
+              <a:rPr lang="ko-KR" altLang="en-US" sz="700" dirty="0">
                 <a:latin typeface="Segoe UI" pitchFamily="34" charset="0"/>
                 <a:cs typeface="Segoe UI" pitchFamily="34" charset="0"/>
               </a:rPr>
-              <a:t>Log-In</a:t>
+              <a:t>회원가입</a:t>
             </a:r>
+            <a:endParaRPr lang="en-US" sz="700" dirty="0">
+              <a:solidFill>
+                <a:srgbClr val="000000"/>
+              </a:solidFill>
+              <a:latin typeface="Segoe UI" pitchFamily="34" charset="0"/>
+              <a:cs typeface="Segoe UI" pitchFamily="34" charset="0"/>
+            </a:endParaRPr>
           </a:p>
         </p:txBody>
       </p:sp>
@@ -8909,7 +9120,7 @@
         </p:nvSpPr>
         <p:spPr>
           <a:xfrm>
-            <a:off x="3052124" y="3916624"/>
+            <a:off x="3052124" y="4151516"/>
             <a:ext cx="590142" cy="228600"/>
           </a:xfrm>
           <a:prstGeom prst="roundRect">
@@ -8954,15 +9165,263 @@
           <a:p>
             <a:pPr algn="ctr"/>
             <a:r>
-              <a:rPr lang="en-US" sz="900" dirty="0">
+              <a:rPr lang="ko-KR" altLang="en-US" sz="900" dirty="0">
                 <a:solidFill>
                   <a:srgbClr val="000000"/>
                 </a:solidFill>
                 <a:latin typeface="Segoe UI" pitchFamily="34" charset="0"/>
                 <a:cs typeface="Segoe UI" pitchFamily="34" charset="0"/>
               </a:rPr>
-              <a:t>Sign-In</a:t>
+              <a:t>찾기</a:t>
             </a:r>
+            <a:endParaRPr lang="en-US" sz="900" dirty="0">
+              <a:solidFill>
+                <a:srgbClr val="000000"/>
+              </a:solidFill>
+              <a:latin typeface="Segoe UI" pitchFamily="34" charset="0"/>
+              <a:cs typeface="Segoe UI" pitchFamily="34" charset="0"/>
+            </a:endParaRPr>
+          </a:p>
+        </p:txBody>
+      </p:sp>
+      <p:sp>
+        <p:nvSpPr>
+          <p:cNvPr id="24" name="Content">
+            <a:extLst>
+              <a:ext uri="{FF2B5EF4-FFF2-40B4-BE49-F238E27FC236}">
+                <a16:creationId xmlns:a16="http://schemas.microsoft.com/office/drawing/2014/main" id="{A8D963BB-1A07-4285-920C-F5EF2B2300D8}"/>
+              </a:ext>
+            </a:extLst>
+          </p:cNvPr>
+          <p:cNvSpPr/>
+          <p:nvPr>
+            <p:custDataLst>
+              <p:custData r:id="rId6"/>
+            </p:custDataLst>
+          </p:nvPr>
+        </p:nvSpPr>
+        <p:spPr>
+          <a:xfrm>
+            <a:off x="2416100" y="3874660"/>
+            <a:ext cx="1220102" cy="228600"/>
+          </a:xfrm>
+          <a:prstGeom prst="roundRect">
+            <a:avLst/>
+          </a:prstGeom>
+          <a:solidFill>
+            <a:srgbClr val="FFFFFF">
+              <a:lumMod val="95000"/>
+            </a:srgbClr>
+          </a:solidFill>
+          <a:ln w="3175">
+            <a:solidFill>
+              <a:srgbClr val="000000">
+                <a:lumMod val="50000"/>
+                <a:lumOff val="50000"/>
+              </a:srgbClr>
+            </a:solidFill>
+          </a:ln>
+          <a:effectLst/>
+        </p:spPr>
+        <p:style>
+          <a:lnRef idx="2">
+            <a:srgbClr val="4F81BD">
+              <a:shade val="50000"/>
+            </a:srgbClr>
+          </a:lnRef>
+          <a:fillRef idx="1">
+            <a:srgbClr val="4F81BD"/>
+          </a:fillRef>
+          <a:effectRef idx="0">
+            <a:srgbClr val="4F81BD"/>
+          </a:effectRef>
+          <a:fontRef idx="minor">
+            <a:srgbClr val="000000"/>
+          </a:fontRef>
+        </p:style>
+        <p:txBody>
+          <a:bodyPr wrap="square" lIns="91440" tIns="0" rIns="91440" bIns="9144" rtlCol="0" anchor="ctr">
+            <a:noAutofit/>
+          </a:bodyPr>
+          <a:lstStyle/>
+          <a:p>
+            <a:pPr algn="ctr"/>
+            <a:r>
+              <a:rPr lang="ko-KR" altLang="en-US" sz="1050" dirty="0">
+                <a:solidFill>
+                  <a:srgbClr val="000000"/>
+                </a:solidFill>
+                <a:latin typeface="Segoe UI" pitchFamily="34" charset="0"/>
+                <a:cs typeface="Segoe UI" pitchFamily="34" charset="0"/>
+              </a:rPr>
+              <a:t>로그인</a:t>
+            </a:r>
+            <a:endParaRPr lang="en-US" sz="1050" dirty="0">
+              <a:solidFill>
+                <a:srgbClr val="000000"/>
+              </a:solidFill>
+              <a:latin typeface="Segoe UI" pitchFamily="34" charset="0"/>
+              <a:cs typeface="Segoe UI" pitchFamily="34" charset="0"/>
+            </a:endParaRPr>
+          </a:p>
+        </p:txBody>
+      </p:sp>
+      <p:sp>
+        <p:nvSpPr>
+          <p:cNvPr id="25" name="TextBox 24">
+            <a:extLst>
+              <a:ext uri="{FF2B5EF4-FFF2-40B4-BE49-F238E27FC236}">
+                <a16:creationId xmlns:a16="http://schemas.microsoft.com/office/drawing/2014/main" id="{A16B7F59-FB2D-4ED5-8927-B5473D531CE0}"/>
+              </a:ext>
+            </a:extLst>
+          </p:cNvPr>
+          <p:cNvSpPr txBox="1"/>
+          <p:nvPr/>
+        </p:nvSpPr>
+        <p:spPr>
+          <a:xfrm>
+            <a:off x="5276850" y="3039389"/>
+            <a:ext cx="6534150" cy="1754326"/>
+          </a:xfrm>
+          <a:prstGeom prst="rect">
+            <a:avLst/>
+          </a:prstGeom>
+          <a:solidFill>
+            <a:schemeClr val="bg1">
+              <a:lumMod val="85000"/>
+            </a:schemeClr>
+          </a:solidFill>
+          <a:ln>
+            <a:solidFill>
+              <a:schemeClr val="tx1"/>
+            </a:solidFill>
+          </a:ln>
+        </p:spPr>
+        <p:txBody>
+          <a:bodyPr wrap="square" rtlCol="0">
+            <a:spAutoFit/>
+          </a:bodyPr>
+          <a:lstStyle/>
+          <a:p>
+            <a:pPr marL="285750" indent="-285750">
+              <a:buFont typeface="Arial" panose="020B0604020202020204" pitchFamily="34" charset="0"/>
+              <a:buChar char="•"/>
+            </a:pPr>
+            <a:r>
+              <a:rPr lang="en-US" altLang="ko-KR" dirty="0"/>
+              <a:t>ID</a:t>
+            </a:r>
+          </a:p>
+          <a:p>
+            <a:pPr marL="285750" indent="-285750">
+              <a:buFont typeface="Arial" panose="020B0604020202020204" pitchFamily="34" charset="0"/>
+              <a:buChar char="•"/>
+            </a:pPr>
+            <a:r>
+              <a:rPr lang="en-US" altLang="ko-KR" dirty="0"/>
+              <a:t>PW</a:t>
+            </a:r>
+          </a:p>
+          <a:p>
+            <a:pPr marL="285750" indent="-285750">
+              <a:buFont typeface="Arial" panose="020B0604020202020204" pitchFamily="34" charset="0"/>
+              <a:buChar char="•"/>
+            </a:pPr>
+            <a:r>
+              <a:rPr lang="en-US" altLang="ko-KR" dirty="0"/>
+              <a:t>Name</a:t>
+            </a:r>
+          </a:p>
+          <a:p>
+            <a:pPr marL="285750" indent="-285750">
+              <a:buFont typeface="Arial" panose="020B0604020202020204" pitchFamily="34" charset="0"/>
+              <a:buChar char="•"/>
+            </a:pPr>
+            <a:r>
+              <a:rPr lang="en-US" altLang="ko-KR" dirty="0" err="1"/>
+              <a:t>Student_Number</a:t>
+            </a:r>
+            <a:endParaRPr lang="en-US" altLang="ko-KR" dirty="0"/>
+          </a:p>
+          <a:p>
+            <a:pPr marL="285750" indent="-285750">
+              <a:buFont typeface="Arial" panose="020B0604020202020204" pitchFamily="34" charset="0"/>
+              <a:buChar char="•"/>
+            </a:pPr>
+            <a:r>
+              <a:rPr lang="en-US" altLang="ko-KR" dirty="0" err="1"/>
+              <a:t>School_PW</a:t>
+            </a:r>
+            <a:endParaRPr lang="en-US" altLang="ko-KR" dirty="0"/>
+          </a:p>
+          <a:p>
+            <a:pPr marL="285750" indent="-285750">
+              <a:buFont typeface="Arial" panose="020B0604020202020204" pitchFamily="34" charset="0"/>
+              <a:buChar char="•"/>
+            </a:pPr>
+            <a:endParaRPr lang="en-US" altLang="ko-KR" dirty="0"/>
+          </a:p>
+        </p:txBody>
+      </p:sp>
+      <p:sp>
+        <p:nvSpPr>
+          <p:cNvPr id="26" name="TextBox 25">
+            <a:extLst>
+              <a:ext uri="{FF2B5EF4-FFF2-40B4-BE49-F238E27FC236}">
+                <a16:creationId xmlns:a16="http://schemas.microsoft.com/office/drawing/2014/main" id="{DC720F83-A999-440B-B927-ED4E107AF72C}"/>
+              </a:ext>
+            </a:extLst>
+          </p:cNvPr>
+          <p:cNvSpPr txBox="1"/>
+          <p:nvPr/>
+        </p:nvSpPr>
+        <p:spPr>
+          <a:xfrm>
+            <a:off x="5276850" y="2321216"/>
+            <a:ext cx="6524625" cy="523220"/>
+          </a:xfrm>
+          <a:prstGeom prst="rect">
+            <a:avLst/>
+          </a:prstGeom>
+          <a:solidFill>
+            <a:schemeClr val="bg1">
+              <a:lumMod val="95000"/>
+            </a:schemeClr>
+          </a:solidFill>
+          <a:ln>
+            <a:solidFill>
+              <a:schemeClr val="tx1"/>
+            </a:solidFill>
+          </a:ln>
+        </p:spPr>
+        <p:txBody>
+          <a:bodyPr wrap="square" rtlCol="0">
+            <a:spAutoFit/>
+          </a:bodyPr>
+          <a:lstStyle/>
+          <a:p>
+            <a:pPr algn="ctr"/>
+            <a:r>
+              <a:rPr lang="en-US" altLang="ko-KR" sz="2800" dirty="0">
+                <a:effectLst>
+                  <a:outerShdw blurRad="38100" dist="38100" dir="2700000" algn="tl">
+                    <a:srgbClr val="000000">
+                      <a:alpha val="43137"/>
+                    </a:srgbClr>
+                  </a:outerShdw>
+                </a:effectLst>
+              </a:rPr>
+              <a:t>User</a:t>
+            </a:r>
+            <a:endParaRPr lang="ko-KR" altLang="en-US" sz="2800" dirty="0">
+              <a:effectLst>
+                <a:outerShdw blurRad="38100" dist="38100" dir="2700000" algn="tl">
+                  <a:srgbClr val="000000">
+                    <a:alpha val="43137"/>
+                  </a:srgbClr>
+                </a:outerShdw>
+              </a:effectLst>
+            </a:endParaRPr>
           </a:p>
         </p:txBody>
       </p:sp>
@@ -29156,7 +29615,7 @@
         </p:nvSpPr>
         <p:spPr>
           <a:xfrm>
-            <a:off x="5502664" y="3274846"/>
+            <a:off x="1972498" y="3089815"/>
             <a:ext cx="3036498" cy="3201785"/>
           </a:xfrm>
           <a:prstGeom prst="rect">
@@ -29218,7 +29677,7 @@
         </p:nvGrpSpPr>
         <p:grpSpPr>
           <a:xfrm>
-            <a:off x="5596702" y="3410265"/>
+            <a:off x="2066536" y="3225234"/>
             <a:ext cx="2844816" cy="2497668"/>
             <a:chOff x="3138993" y="2600325"/>
             <a:chExt cx="3513043" cy="2017394"/>
@@ -29625,7 +30084,7 @@
         </p:nvSpPr>
         <p:spPr>
           <a:xfrm>
-            <a:off x="7488171" y="6089522"/>
+            <a:off x="3958005" y="5904491"/>
             <a:ext cx="953346" cy="306185"/>
           </a:xfrm>
           <a:prstGeom prst="roundRect">
@@ -29707,7 +30166,7 @@
         </p:nvSpPr>
         <p:spPr>
           <a:xfrm>
-            <a:off x="8100179" y="3775728"/>
+            <a:off x="4570013" y="3590697"/>
             <a:ext cx="290464" cy="219074"/>
           </a:xfrm>
           <a:prstGeom prst="roundRect">
@@ -29789,7 +30248,7 @@
         </p:nvGrpSpPr>
         <p:grpSpPr>
           <a:xfrm>
-            <a:off x="5662338" y="4136775"/>
+            <a:off x="2132172" y="3951744"/>
             <a:ext cx="2728305" cy="1533690"/>
             <a:chOff x="4610405" y="3047458"/>
             <a:chExt cx="1651415" cy="1533690"/>
@@ -30226,7 +30685,7 @@
         </p:nvSpPr>
         <p:spPr>
           <a:xfrm>
-            <a:off x="5673173" y="3782816"/>
+            <a:off x="2143007" y="3597785"/>
             <a:ext cx="2278487" cy="219074"/>
           </a:xfrm>
           <a:prstGeom prst="rect">
@@ -30308,7 +30767,7 @@
         </p:nvGrpSpPr>
         <p:grpSpPr>
           <a:xfrm>
-            <a:off x="5731465" y="4188130"/>
+            <a:off x="2201299" y="4003099"/>
             <a:ext cx="1488856" cy="230832"/>
             <a:chOff x="4317072" y="3312427"/>
             <a:chExt cx="1488856" cy="230832"/>
@@ -30524,7 +30983,7 @@
         </p:nvGrpSpPr>
         <p:grpSpPr>
           <a:xfrm>
-            <a:off x="5768833" y="4456108"/>
+            <a:off x="2238667" y="4271077"/>
             <a:ext cx="1451493" cy="230832"/>
             <a:chOff x="5179843" y="2087449"/>
             <a:chExt cx="1360342" cy="216403"/>
@@ -30683,7 +31142,7 @@
         </p:blipFill>
         <p:spPr bwMode="auto">
           <a:xfrm>
-            <a:off x="7653948" y="3744955"/>
+            <a:off x="4123782" y="3559924"/>
             <a:ext cx="310896" cy="310896"/>
           </a:xfrm>
           <a:prstGeom prst="rect">
@@ -30718,7 +31177,7 @@
         </p:nvSpPr>
         <p:spPr>
           <a:xfrm>
-            <a:off x="8576530" y="3274845"/>
+            <a:off x="5046364" y="3089814"/>
             <a:ext cx="3036498" cy="3201785"/>
           </a:xfrm>
           <a:prstGeom prst="rect">
@@ -30780,7 +31239,7 @@
         </p:nvSpPr>
         <p:spPr>
           <a:xfrm>
-            <a:off x="10562037" y="6089521"/>
+            <a:off x="7031871" y="5904490"/>
             <a:ext cx="953346" cy="306185"/>
           </a:xfrm>
           <a:prstGeom prst="roundRect">
@@ -30862,7 +31321,7 @@
         </p:nvGrpSpPr>
         <p:grpSpPr>
           <a:xfrm>
-            <a:off x="8629783" y="3410265"/>
+            <a:off x="5099617" y="3225234"/>
             <a:ext cx="2844815" cy="2497668"/>
             <a:chOff x="3138993" y="2600325"/>
             <a:chExt cx="3513043" cy="2017394"/>
@@ -31272,7 +31731,7 @@
         </p:nvGrpSpPr>
         <p:grpSpPr>
           <a:xfrm>
-            <a:off x="8755911" y="3779670"/>
+            <a:off x="5225745" y="3594639"/>
             <a:ext cx="482151" cy="219074"/>
             <a:chOff x="4016824" y="3329200"/>
             <a:chExt cx="1097652" cy="228600"/>
@@ -31426,7 +31885,7 @@
         </p:nvGrpSpPr>
         <p:grpSpPr>
           <a:xfrm>
-            <a:off x="9406999" y="3779670"/>
+            <a:off x="5876833" y="3594639"/>
             <a:ext cx="697838" cy="219074"/>
             <a:chOff x="4016824" y="3329200"/>
             <a:chExt cx="1097652" cy="228600"/>
@@ -31580,7 +32039,7 @@
         </p:nvGrpSpPr>
         <p:grpSpPr>
           <a:xfrm>
-            <a:off x="10321822" y="3779670"/>
+            <a:off x="6791656" y="3594639"/>
             <a:ext cx="697838" cy="219074"/>
             <a:chOff x="4016824" y="3329200"/>
             <a:chExt cx="1097652" cy="228600"/>
@@ -31734,7 +32193,7 @@
         </p:nvSpPr>
         <p:spPr>
           <a:xfrm>
-            <a:off x="10075729" y="3761044"/>
+            <a:off x="6545563" y="3576013"/>
             <a:ext cx="290464" cy="230832"/>
           </a:xfrm>
           <a:prstGeom prst="rect">
@@ -31780,7 +32239,7 @@
         </p:nvSpPr>
         <p:spPr>
           <a:xfrm>
-            <a:off x="11174045" y="3775727"/>
+            <a:off x="7643879" y="3590696"/>
             <a:ext cx="290464" cy="219074"/>
           </a:xfrm>
           <a:prstGeom prst="roundRect">
@@ -31862,7 +32321,7 @@
         </p:nvGrpSpPr>
         <p:grpSpPr>
           <a:xfrm>
-            <a:off x="8736204" y="4136774"/>
+            <a:off x="5206038" y="3951743"/>
             <a:ext cx="2728305" cy="1533690"/>
             <a:chOff x="4610405" y="3047458"/>
             <a:chExt cx="1651415" cy="1533690"/>
@@ -36097,61 +36556,61 @@
 
 <file path=customXml/item10.xml><?xml version="1.0" encoding="utf-8"?>
 <Control xmlns="http://schemas.microsoft.com/VisualStudio/2011/storyboarding/control">
-  <Id Name="System.Storyboarding.Backgrounds.WindowsPhone" Revision="1" Stencil="System.Storyboarding.Backgrounds" StencilVersion="0.1"/>
+  <Id Name="System.Storyboarding.Icons.User" Revision="1" Stencil="System.Storyboarding.Icons" StencilVersion="0.1"/>
 </Control>
 </file>
 
 <file path=customXml/item11.xml><?xml version="1.0" encoding="utf-8"?>
 <Control xmlns="http://schemas.microsoft.com/VisualStudio/2011/storyboarding/control">
-  <Id Name="System.Storyboarding.Common.DataGrid" Revision="1" Stencil="System.Storyboarding.Common" StencilVersion="0.1"/>
+  <Id Name="System.Storyboarding.Backgrounds.WindowsPhone" Revision="1" Stencil="System.Storyboarding.Backgrounds" StencilVersion="0.1"/>
 </Control>
 </file>
 
 <file path=customXml/item12.xml><?xml version="1.0" encoding="utf-8"?>
 <Control xmlns="http://schemas.microsoft.com/VisualStudio/2011/storyboarding/control">
-  <Id Name="System.Storyboarding.Icons.Error" Revision="1" Stencil="System.Storyboarding.Icons" StencilVersion="0.1"/>
+  <Id Name="System.Storyboarding.Common.DataGrid" Revision="1" Stencil="System.Storyboarding.Common" StencilVersion="0.1"/>
 </Control>
 </file>
 
 <file path=customXml/item13.xml><?xml version="1.0" encoding="utf-8"?>
 <Control xmlns="http://schemas.microsoft.com/VisualStudio/2011/storyboarding/control">
-  <Id Name="System.Storyboarding.Icons.User" Revision="1" Stencil="System.Storyboarding.Icons" StencilVersion="0.1"/>
+  <Id Name="System.Storyboarding.Icons.Error" Revision="1" Stencil="System.Storyboarding.Icons" StencilVersion="0.1"/>
 </Control>
 </file>
 
 <file path=customXml/item14.xml><?xml version="1.0" encoding="utf-8"?>
 <Control xmlns="http://schemas.microsoft.com/VisualStudio/2011/storyboarding/control">
-  <Id Name="System.Storyboarding.Backgrounds.WindowsPhone" Revision="1" Stencil="System.Storyboarding.Backgrounds" StencilVersion="0.1"/>
+  <Id Name="System.Storyboarding.Icons.User" Revision="1" Stencil="System.Storyboarding.Icons" StencilVersion="0.1"/>
 </Control>
 </file>
 
 <file path=customXml/item15.xml><?xml version="1.0" encoding="utf-8"?>
 <Control xmlns="http://schemas.microsoft.com/VisualStudio/2011/storyboarding/control">
-  <Id Name="System.Storyboarding.Common.DataGrid" Revision="1" Stencil="System.Storyboarding.Common" StencilVersion="0.1"/>
+  <Id Name="System.Storyboarding.Backgrounds.WindowsPhone" Revision="1" Stencil="System.Storyboarding.Backgrounds" StencilVersion="0.1"/>
 </Control>
 </file>
 
 <file path=customXml/item16.xml><?xml version="1.0" encoding="utf-8"?>
 <Control xmlns="http://schemas.microsoft.com/VisualStudio/2011/storyboarding/control">
-  <Id Name="System.Storyboarding.Icons.Error" Revision="1" Stencil="System.Storyboarding.Icons" StencilVersion="0.1"/>
+  <Id Name="System.Storyboarding.Common.DataGrid" Revision="1" Stencil="System.Storyboarding.Common" StencilVersion="0.1"/>
 </Control>
 </file>
 
 <file path=customXml/item17.xml><?xml version="1.0" encoding="utf-8"?>
 <Control xmlns="http://schemas.microsoft.com/VisualStudio/2011/storyboarding/control">
-  <Id Name="System.Storyboarding.Icons.User" Revision="1" Stencil="System.Storyboarding.Icons" StencilVersion="0.1"/>
+  <Id Name="System.Storyboarding.Icons.Error" Revision="1" Stencil="System.Storyboarding.Icons" StencilVersion="0.1"/>
 </Control>
 </file>
 
 <file path=customXml/item18.xml><?xml version="1.0" encoding="utf-8"?>
 <Control xmlns="http://schemas.microsoft.com/VisualStudio/2011/storyboarding/control">
-  <Id Name="System.Storyboarding.Backgrounds.WindowsPhone" Revision="1" Stencil="System.Storyboarding.Backgrounds" StencilVersion="0.1"/>
+  <Id Name="System.Storyboarding.Icons.User" Revision="1" Stencil="System.Storyboarding.Icons" StencilVersion="0.1"/>
 </Control>
 </file>
 
 <file path=customXml/item19.xml><?xml version="1.0" encoding="utf-8"?>
 <Control xmlns="http://schemas.microsoft.com/VisualStudio/2011/storyboarding/control">
-  <Id Name="System.Storyboarding.Common.DataGrid" Revision="1" Stencil="System.Storyboarding.Common" StencilVersion="0.1"/>
+  <Id Name="System.Storyboarding.Backgrounds.WindowsPhone" Revision="1" Stencil="System.Storyboarding.Backgrounds" StencilVersion="0.1"/>
 </Control>
 </file>
 
@@ -36163,25 +36622,25 @@
 
 <file path=customXml/item20.xml><?xml version="1.0" encoding="utf-8"?>
 <Control xmlns="http://schemas.microsoft.com/VisualStudio/2011/storyboarding/control">
-  <Id Name="System.Storyboarding.Icons.Error" Revision="1" Stencil="System.Storyboarding.Icons" StencilVersion="0.1"/>
+  <Id Name="System.Storyboarding.Common.DataGrid" Revision="1" Stencil="System.Storyboarding.Common" StencilVersion="0.1"/>
 </Control>
 </file>
 
 <file path=customXml/item21.xml><?xml version="1.0" encoding="utf-8"?>
 <Control xmlns="http://schemas.microsoft.com/VisualStudio/2011/storyboarding/control">
-  <Id Name="System.Storyboarding.Icons.User" Revision="1" Stencil="System.Storyboarding.Icons" StencilVersion="0.1"/>
+  <Id Name="System.Storyboarding.Icons.Error" Revision="1" Stencil="System.Storyboarding.Icons" StencilVersion="0.1"/>
 </Control>
 </file>
 
 <file path=customXml/item22.xml><?xml version="1.0" encoding="utf-8"?>
 <Control xmlns="http://schemas.microsoft.com/VisualStudio/2011/storyboarding/control">
-  <Id Name="System.Storyboarding.Common.TabGroup" Revision="1" Stencil="System.Storyboarding.Common" StencilVersion="0.1"/>
+  <Id Name="System.Storyboarding.Icons.User" Revision="1" Stencil="System.Storyboarding.Icons" StencilVersion="0.1"/>
 </Control>
 </file>
 
 <file path=customXml/item23.xml><?xml version="1.0" encoding="utf-8"?>
 <Control xmlns="http://schemas.microsoft.com/VisualStudio/2011/storyboarding/control">
-  <Id Name="System.Storyboarding.Common.Button" Revision="1" Stencil="System.Storyboarding.Common" StencilVersion="0.1"/>
+  <Id Name="System.Storyboarding.Common.TabGroup" Revision="1" Stencil="System.Storyboarding.Common" StencilVersion="0.1"/>
 </Control>
 </file>
 
@@ -36193,31 +36652,31 @@
 
 <file path=customXml/item25.xml><?xml version="1.0" encoding="utf-8"?>
 <Control xmlns="http://schemas.microsoft.com/VisualStudio/2011/storyboarding/control">
-  <Id Name="System.Storyboarding.Common.List" Revision="1" Stencil="System.Storyboarding.Common" StencilVersion="0.1"/>
+  <Id Name="System.Storyboarding.Common.Button" Revision="1" Stencil="System.Storyboarding.Common" StencilVersion="0.1"/>
 </Control>
 </file>
 
 <file path=customXml/item26.xml><?xml version="1.0" encoding="utf-8"?>
 <Control xmlns="http://schemas.microsoft.com/VisualStudio/2011/storyboarding/control">
-  <Id Name="System.Storyboarding.Common.ScrollbarVertical" RevisionId="68ea164d-c1de-47a5-804f-d4d1290fa524" Stencil="System.Storyboarding.Common" StencilRevisionId="68ea164d-c1de-47a5-804f-d4d1290fa524" StencilVersion="0.1"/>
+  <Id Name="System.Storyboarding.Common.List" Revision="1" Stencil="System.Storyboarding.Common" StencilVersion="0.1"/>
 </Control>
 </file>
 
 <file path=customXml/item27.xml><?xml version="1.0" encoding="utf-8"?>
 <Control xmlns="http://schemas.microsoft.com/VisualStudio/2011/storyboarding/control">
-  <Id Name="System.Storyboarding.Common.CheckBoxChecked" Revision="1" Stencil="System.Storyboarding.Common" StencilVersion="0.1"/>
+  <Id Name="System.Storyboarding.Common.ScrollbarVertical" RevisionId="68ea164d-c1de-47a5-804f-d4d1290fa524" Stencil="System.Storyboarding.Common" StencilRevisionId="68ea164d-c1de-47a5-804f-d4d1290fa524" StencilVersion="0.1"/>
 </Control>
 </file>
 
 <file path=customXml/item28.xml><?xml version="1.0" encoding="utf-8"?>
 <Control xmlns="http://schemas.microsoft.com/VisualStudio/2011/storyboarding/control">
-  <Id Name="System.Storyboarding.Common.CheckBoxUnchecked" Revision="1" Stencil="System.Storyboarding.Common" StencilVersion="0.1"/>
+  <Id Name="System.Storyboarding.Common.CheckBoxChecked" Revision="1" Stencil="System.Storyboarding.Common" StencilVersion="0.1"/>
 </Control>
 </file>
 
 <file path=customXml/item29.xml><?xml version="1.0" encoding="utf-8"?>
 <Control xmlns="http://schemas.microsoft.com/VisualStudio/2011/storyboarding/control">
-  <Id Name="System.Storyboarding.Common.Button" Revision="1" Stencil="System.Storyboarding.Common" StencilVersion="0.1"/>
+  <Id Name="System.Storyboarding.Common.CheckBoxUnchecked" Revision="1" Stencil="System.Storyboarding.Common" StencilVersion="0.1"/>
 </Control>
 </file>
 
@@ -36229,13 +36688,13 @@
 
 <file path=customXml/item30.xml><?xml version="1.0" encoding="utf-8"?>
 <Control xmlns="http://schemas.microsoft.com/VisualStudio/2011/storyboarding/control">
-  <Id Name="System.Storyboarding.Common.TabGroup" Revision="1" Stencil="System.Storyboarding.Common" StencilVersion="0.1"/>
+  <Id Name="System.Storyboarding.Common.Button" Revision="1" Stencil="System.Storyboarding.Common" StencilVersion="0.1"/>
 </Control>
 </file>
 
 <file path=customXml/item31.xml><?xml version="1.0" encoding="utf-8"?>
 <Control xmlns="http://schemas.microsoft.com/VisualStudio/2011/storyboarding/control">
-  <Id Name="System.Storyboarding.Common.DropdownBox" Revision="1" Stencil="System.Storyboarding.Common" StencilVersion="0.1"/>
+  <Id Name="System.Storyboarding.Common.TabGroup" Revision="1" Stencil="System.Storyboarding.Common" StencilVersion="0.1"/>
 </Control>
 </file>
 
@@ -36253,37 +36712,37 @@
 
 <file path=customXml/item34.xml><?xml version="1.0" encoding="utf-8"?>
 <Control xmlns="http://schemas.microsoft.com/VisualStudio/2011/storyboarding/control">
-  <Id Name="System.Storyboarding.Common.Text" Revision="1" Stencil="System.Storyboarding.Common" StencilVersion="0.1"/>
+  <Id Name="System.Storyboarding.Common.DropdownBox" Revision="1" Stencil="System.Storyboarding.Common" StencilVersion="0.1"/>
 </Control>
 </file>
 
 <file path=customXml/item35.xml><?xml version="1.0" encoding="utf-8"?>
 <Control xmlns="http://schemas.microsoft.com/VisualStudio/2011/storyboarding/control">
-  <Id Name="System.Storyboarding.Common.Button" Revision="1" Stencil="System.Storyboarding.Common" StencilVersion="0.1"/>
+  <Id Name="System.Storyboarding.Common.Text" Revision="1" Stencil="System.Storyboarding.Common" StencilVersion="0.1"/>
 </Control>
 </file>
 
 <file path=customXml/item36.xml><?xml version="1.0" encoding="utf-8"?>
 <Control xmlns="http://schemas.microsoft.com/VisualStudio/2011/storyboarding/control">
-  <Id Name="System.Storyboarding.Common.List" Revision="1" Stencil="System.Storyboarding.Common" StencilVersion="0.1"/>
+  <Id Name="System.Storyboarding.Common.Button" Revision="1" Stencil="System.Storyboarding.Common" StencilVersion="0.1"/>
 </Control>
 </file>
 
 <file path=customXml/item37.xml><?xml version="1.0" encoding="utf-8"?>
 <Control xmlns="http://schemas.microsoft.com/VisualStudio/2011/storyboarding/control">
-  <Id Name="System.Storyboarding.Common.ScrollbarVertical" RevisionId="68ea164d-c1de-47a5-804f-d4d1290fa524" Stencil="System.Storyboarding.Common" StencilRevisionId="68ea164d-c1de-47a5-804f-d4d1290fa524" StencilVersion="0.1"/>
+  <Id Name="System.Storyboarding.Common.List" Revision="1" Stencil="System.Storyboarding.Common" StencilVersion="0.1"/>
 </Control>
 </file>
 
 <file path=customXml/item38.xml><?xml version="1.0" encoding="utf-8"?>
 <Control xmlns="http://schemas.microsoft.com/VisualStudio/2011/storyboarding/control">
-  <Id Name="System.Storyboarding.Backgrounds.WindowsPhone" Revision="1" Stencil="System.Storyboarding.Backgrounds" StencilVersion="0.1"/>
+  <Id Name="System.Storyboarding.Common.ScrollbarVertical" RevisionId="68ea164d-c1de-47a5-804f-d4d1290fa524" Stencil="System.Storyboarding.Common" StencilRevisionId="68ea164d-c1de-47a5-804f-d4d1290fa524" StencilVersion="0.1"/>
 </Control>
 </file>
 
 <file path=customXml/item39.xml><?xml version="1.0" encoding="utf-8"?>
 <Control xmlns="http://schemas.microsoft.com/VisualStudio/2011/storyboarding/control">
-  <Id Name="System.Storyboarding.Icons.Error" Revision="1" Stencil="System.Storyboarding.Icons" StencilVersion="0.1"/>
+  <Id Name="System.Storyboarding.Backgrounds.WindowsPhone" Revision="1" Stencil="System.Storyboarding.Backgrounds" StencilVersion="0.1"/>
 </Control>
 </file>
 
@@ -36295,61 +36754,61 @@
 
 <file path=customXml/item40.xml><?xml version="1.0" encoding="utf-8"?>
 <Control xmlns="http://schemas.microsoft.com/VisualStudio/2011/storyboarding/control">
-  <Id Name="System.Storyboarding.Icons.User" Revision="1" Stencil="System.Storyboarding.Icons" StencilVersion="0.1"/>
+  <Id Name="System.Storyboarding.Icons.Error" Revision="1" Stencil="System.Storyboarding.Icons" StencilVersion="0.1"/>
 </Control>
 </file>
 
 <file path=customXml/item41.xml><?xml version="1.0" encoding="utf-8"?>
 <Control xmlns="http://schemas.microsoft.com/VisualStudio/2011/storyboarding/control">
-  <Id Name="System.Storyboarding.Backgrounds.WindowsPhone" Revision="1" Stencil="System.Storyboarding.Backgrounds" StencilVersion="0.1"/>
+  <Id Name="System.Storyboarding.Icons.User" Revision="1" Stencil="System.Storyboarding.Icons" StencilVersion="0.1"/>
 </Control>
 </file>
 
 <file path=customXml/item42.xml><?xml version="1.0" encoding="utf-8"?>
 <Control xmlns="http://schemas.microsoft.com/VisualStudio/2011/storyboarding/control">
-  <Id Name="System.Storyboarding.Icons.Error" Revision="1" Stencil="System.Storyboarding.Icons" StencilVersion="0.1"/>
+  <Id Name="System.Storyboarding.Backgrounds.WindowsPhone" Revision="1" Stencil="System.Storyboarding.Backgrounds" StencilVersion="0.1"/>
 </Control>
 </file>
 
 <file path=customXml/item43.xml><?xml version="1.0" encoding="utf-8"?>
 <Control xmlns="http://schemas.microsoft.com/VisualStudio/2011/storyboarding/control">
-  <Id Name="System.Storyboarding.Icons.User" Revision="1" Stencil="System.Storyboarding.Icons" StencilVersion="0.1"/>
+  <Id Name="System.Storyboarding.Icons.Error" Revision="1" Stencil="System.Storyboarding.Icons" StencilVersion="0.1"/>
 </Control>
 </file>
 
 <file path=customXml/item44.xml><?xml version="1.0" encoding="utf-8"?>
 <Control xmlns="http://schemas.microsoft.com/VisualStudio/2011/storyboarding/control">
-  <Id Name="System.Storyboarding.Backgrounds.WindowsPhone" Revision="1" Stencil="System.Storyboarding.Backgrounds" StencilVersion="0.1"/>
+  <Id Name="System.Storyboarding.Icons.User" Revision="1" Stencil="System.Storyboarding.Icons" StencilVersion="0.1"/>
 </Control>
 </file>
 
 <file path=customXml/item45.xml><?xml version="1.0" encoding="utf-8"?>
 <Control xmlns="http://schemas.microsoft.com/VisualStudio/2011/storyboarding/control">
-  <Id Name="System.Storyboarding.Icons.Error" Revision="1" Stencil="System.Storyboarding.Icons" StencilVersion="0.1"/>
+  <Id Name="System.Storyboarding.Backgrounds.WindowsPhone" Revision="1" Stencil="System.Storyboarding.Backgrounds" StencilVersion="0.1"/>
 </Control>
 </file>
 
 <file path=customXml/item46.xml><?xml version="1.0" encoding="utf-8"?>
 <Control xmlns="http://schemas.microsoft.com/VisualStudio/2011/storyboarding/control">
-  <Id Name="System.Storyboarding.Icons.User" Revision="1" Stencil="System.Storyboarding.Icons" StencilVersion="0.1"/>
+  <Id Name="System.Storyboarding.Icons.Error" Revision="1" Stencil="System.Storyboarding.Icons" StencilVersion="0.1"/>
 </Control>
 </file>
 
 <file path=customXml/item47.xml><?xml version="1.0" encoding="utf-8"?>
 <Control xmlns="http://schemas.microsoft.com/VisualStudio/2011/storyboarding/control">
-  <Id Name="System.Storyboarding.Common.TextInput" Revision="1" Stencil="System.Storyboarding.Common" StencilVersion="0.1"/>
+  <Id Name="System.Storyboarding.Icons.User" Revision="1" Stencil="System.Storyboarding.Icons" StencilVersion="0.1"/>
 </Control>
 </file>
 
 <file path=customXml/item48.xml><?xml version="1.0" encoding="utf-8"?>
 <Control xmlns="http://schemas.microsoft.com/VisualStudio/2011/storyboarding/control">
-  <Id Name="System.Storyboarding.WindowsAppIcons.Comment" Revision="1" Stencil="System.Storyboarding.WindowsAppIcons" StencilVersion="0.1"/>
+  <Id Name="System.Storyboarding.Common.TextInput" Revision="1" Stencil="System.Storyboarding.Common" StencilVersion="0.1"/>
 </Control>
 </file>
 
 <file path=customXml/item49.xml><?xml version="1.0" encoding="utf-8"?>
 <Control xmlns="http://schemas.microsoft.com/VisualStudio/2011/storyboarding/control">
-  <Id Name="System.Storyboarding.Backgrounds.WindowsPhone" Revision="1" Stencil="System.Storyboarding.Backgrounds" StencilVersion="0.1"/>
+  <Id Name="System.Storyboarding.WindowsAppIcons.Comment" Revision="1" Stencil="System.Storyboarding.WindowsAppIcons" StencilVersion="0.1"/>
 </Control>
 </file>
 
@@ -36361,17 +36820,23 @@
 
 <file path=customXml/item50.xml><?xml version="1.0" encoding="utf-8"?>
 <Control xmlns="http://schemas.microsoft.com/VisualStudio/2011/storyboarding/control">
-  <Id Name="System.Storyboarding.Icons.Error" Revision="1" Stencil="System.Storyboarding.Icons" StencilVersion="0.1"/>
+  <Id Name="System.Storyboarding.Backgrounds.WindowsPhone" Revision="1" Stencil="System.Storyboarding.Backgrounds" StencilVersion="0.1"/>
 </Control>
 </file>
 
 <file path=customXml/item51.xml><?xml version="1.0" encoding="utf-8"?>
 <Control xmlns="http://schemas.microsoft.com/VisualStudio/2011/storyboarding/control">
+  <Id Name="System.Storyboarding.Icons.Error" Revision="1" Stencil="System.Storyboarding.Icons" StencilVersion="0.1"/>
+</Control>
+</file>
+
+<file path=customXml/item52.xml><?xml version="1.0" encoding="utf-8"?>
+<Control xmlns="http://schemas.microsoft.com/VisualStudio/2011/storyboarding/control">
   <Id Name="System.Storyboarding.Icons.User" Revision="1" Stencil="System.Storyboarding.Icons" StencilVersion="0.1"/>
 </Control>
 </file>
 
-<file path=customXml/item52.xml><?xml version="1.0" encoding="utf-8"?>
+<file path=customXml/item53.xml><?xml version="1.0" encoding="utf-8"?>
 <Control xmlns="http://schemas.microsoft.com/VisualStudio/2011/storyboarding/control">
   <Id Name="System.Storyboarding.Common.TabGroupVertical" Revision="1" Stencil="System.Storyboarding.Common" StencilVersion="0.1"/>
 </Control>
@@ -36379,25 +36844,25 @@
 
 <file path=customXml/item6.xml><?xml version="1.0" encoding="utf-8"?>
 <Control xmlns="http://schemas.microsoft.com/VisualStudio/2011/storyboarding/control">
-  <Id Name="System.Storyboarding.Backgrounds.WindowsPhone" Revision="1" Stencil="System.Storyboarding.Backgrounds" StencilVersion="0.1"/>
+  <Id Name="System.Storyboarding.Common.Button" Revision="1" Stencil="System.Storyboarding.Common" StencilVersion="0.1"/>
 </Control>
 </file>
 
 <file path=customXml/item7.xml><?xml version="1.0" encoding="utf-8"?>
 <Control xmlns="http://schemas.microsoft.com/VisualStudio/2011/storyboarding/control">
-  <Id Name="System.Storyboarding.Common.DataGrid" Revision="1" Stencil="System.Storyboarding.Common" StencilVersion="0.1"/>
+  <Id Name="System.Storyboarding.Backgrounds.WindowsPhone" Revision="1" Stencil="System.Storyboarding.Backgrounds" StencilVersion="0.1"/>
 </Control>
 </file>
 
 <file path=customXml/item8.xml><?xml version="1.0" encoding="utf-8"?>
 <Control xmlns="http://schemas.microsoft.com/VisualStudio/2011/storyboarding/control">
-  <Id Name="System.Storyboarding.Icons.Error" Revision="1" Stencil="System.Storyboarding.Icons" StencilVersion="0.1"/>
+  <Id Name="System.Storyboarding.Common.DataGrid" Revision="1" Stencil="System.Storyboarding.Common" StencilVersion="0.1"/>
 </Control>
 </file>
 
 <file path=customXml/item9.xml><?xml version="1.0" encoding="utf-8"?>
 <Control xmlns="http://schemas.microsoft.com/VisualStudio/2011/storyboarding/control">
-  <Id Name="System.Storyboarding.Icons.User" Revision="1" Stencil="System.Storyboarding.Icons" StencilVersion="0.1"/>
+  <Id Name="System.Storyboarding.Icons.Error" Revision="1" Stencil="System.Storyboarding.Icons" StencilVersion="0.1"/>
 </Control>
 </file>
 
@@ -36410,6 +36875,14 @@
 </file>
 
 <file path=customXml/itemProps10.xml><?xml version="1.0" encoding="utf-8"?>
+<ds:datastoreItem xmlns:ds="http://schemas.openxmlformats.org/officeDocument/2006/customXml" ds:itemID="{780D0523-7DF3-42F7-A619-92A4565DF1EF}">
+  <ds:schemaRefs>
+    <ds:schemaRef ds:uri="http://schemas.microsoft.com/VisualStudio/2011/storyboarding/control"/>
+  </ds:schemaRefs>
+</ds:datastoreItem>
+</file>
+
+<file path=customXml/itemProps11.xml><?xml version="1.0" encoding="utf-8"?>
 <ds:datastoreItem xmlns:ds="http://schemas.openxmlformats.org/officeDocument/2006/customXml" ds:itemID="{1B39D997-CA6F-4B40-AF40-0524CB0CCA95}">
   <ds:schemaRefs>
     <ds:schemaRef ds:uri="http://schemas.microsoft.com/VisualStudio/2011/storyboarding/control"/>
@@ -36417,7 +36890,7 @@
 </ds:datastoreItem>
 </file>
 
-<file path=customXml/itemProps11.xml><?xml version="1.0" encoding="utf-8"?>
+<file path=customXml/itemProps12.xml><?xml version="1.0" encoding="utf-8"?>
 <ds:datastoreItem xmlns:ds="http://schemas.openxmlformats.org/officeDocument/2006/customXml" ds:itemID="{71D16A78-9098-48D4-8307-BCC82AB23E28}">
   <ds:schemaRefs>
     <ds:schemaRef ds:uri="http://schemas.microsoft.com/VisualStudio/2011/storyboarding/control"/>
@@ -36425,7 +36898,7 @@
 </ds:datastoreItem>
 </file>
 
-<file path=customXml/itemProps12.xml><?xml version="1.0" encoding="utf-8"?>
+<file path=customXml/itemProps13.xml><?xml version="1.0" encoding="utf-8"?>
 <ds:datastoreItem xmlns:ds="http://schemas.openxmlformats.org/officeDocument/2006/customXml" ds:itemID="{230D875B-7522-4DE3-83A8-5F5525A2D358}">
   <ds:schemaRefs>
     <ds:schemaRef ds:uri="http://schemas.microsoft.com/VisualStudio/2011/storyboarding/control"/>
@@ -36433,7 +36906,7 @@
 </ds:datastoreItem>
 </file>
 
-<file path=customXml/itemProps13.xml><?xml version="1.0" encoding="utf-8"?>
+<file path=customXml/itemProps14.xml><?xml version="1.0" encoding="utf-8"?>
 <ds:datastoreItem xmlns:ds="http://schemas.openxmlformats.org/officeDocument/2006/customXml" ds:itemID="{D8AC6BB7-6982-40CE-AD98-129DC184B8A7}">
   <ds:schemaRefs>
     <ds:schemaRef ds:uri="http://schemas.microsoft.com/VisualStudio/2011/storyboarding/control"/>
@@ -36441,7 +36914,7 @@
 </ds:datastoreItem>
 </file>
 
-<file path=customXml/itemProps14.xml><?xml version="1.0" encoding="utf-8"?>
+<file path=customXml/itemProps15.xml><?xml version="1.0" encoding="utf-8"?>
 <ds:datastoreItem xmlns:ds="http://schemas.openxmlformats.org/officeDocument/2006/customXml" ds:itemID="{B471CDF8-78AC-45C9-BB4E-673FED710A6C}">
   <ds:schemaRefs>
     <ds:schemaRef ds:uri="http://schemas.microsoft.com/VisualStudio/2011/storyboarding/control"/>
@@ -36449,7 +36922,7 @@
 </ds:datastoreItem>
 </file>
 
-<file path=customXml/itemProps15.xml><?xml version="1.0" encoding="utf-8"?>
+<file path=customXml/itemProps16.xml><?xml version="1.0" encoding="utf-8"?>
 <ds:datastoreItem xmlns:ds="http://schemas.openxmlformats.org/officeDocument/2006/customXml" ds:itemID="{F0DBBCFD-5442-40D8-B6AD-09D0764F2999}">
   <ds:schemaRefs>
     <ds:schemaRef ds:uri="http://schemas.microsoft.com/VisualStudio/2011/storyboarding/control"/>
@@ -36457,7 +36930,7 @@
 </ds:datastoreItem>
 </file>
 
-<file path=customXml/itemProps16.xml><?xml version="1.0" encoding="utf-8"?>
+<file path=customXml/itemProps17.xml><?xml version="1.0" encoding="utf-8"?>
 <ds:datastoreItem xmlns:ds="http://schemas.openxmlformats.org/officeDocument/2006/customXml" ds:itemID="{1CE72903-0CBF-430C-9FA5-2E862C696CB3}">
   <ds:schemaRefs>
     <ds:schemaRef ds:uri="http://schemas.microsoft.com/VisualStudio/2011/storyboarding/control"/>
@@ -36465,7 +36938,7 @@
 </ds:datastoreItem>
 </file>
 
-<file path=customXml/itemProps17.xml><?xml version="1.0" encoding="utf-8"?>
+<file path=customXml/itemProps18.xml><?xml version="1.0" encoding="utf-8"?>
 <ds:datastoreItem xmlns:ds="http://schemas.openxmlformats.org/officeDocument/2006/customXml" ds:itemID="{6AF27D9E-4670-4092-8E91-6038766924C3}">
   <ds:schemaRefs>
     <ds:schemaRef ds:uri="http://schemas.microsoft.com/VisualStudio/2011/storyboarding/control"/>
@@ -36473,16 +36946,8 @@
 </ds:datastoreItem>
 </file>
 
-<file path=customXml/itemProps18.xml><?xml version="1.0" encoding="utf-8"?>
+<file path=customXml/itemProps19.xml><?xml version="1.0" encoding="utf-8"?>
 <ds:datastoreItem xmlns:ds="http://schemas.openxmlformats.org/officeDocument/2006/customXml" ds:itemID="{46AEF350-E89C-43D9-8FE1-1D56E8565DD9}">
-  <ds:schemaRefs>
-    <ds:schemaRef ds:uri="http://schemas.microsoft.com/VisualStudio/2011/storyboarding/control"/>
-  </ds:schemaRefs>
-</ds:datastoreItem>
-</file>
-
-<file path=customXml/itemProps19.xml><?xml version="1.0" encoding="utf-8"?>
-<ds:datastoreItem xmlns:ds="http://schemas.openxmlformats.org/officeDocument/2006/customXml" ds:itemID="{9A0AEC04-C809-43AB-8FC3-FB0AADC05C7D}">
   <ds:schemaRefs>
     <ds:schemaRef ds:uri="http://schemas.microsoft.com/VisualStudio/2011/storyboarding/control"/>
   </ds:schemaRefs>
@@ -36498,6 +36963,14 @@
 </file>
 
 <file path=customXml/itemProps20.xml><?xml version="1.0" encoding="utf-8"?>
+<ds:datastoreItem xmlns:ds="http://schemas.openxmlformats.org/officeDocument/2006/customXml" ds:itemID="{9A0AEC04-C809-43AB-8FC3-FB0AADC05C7D}">
+  <ds:schemaRefs>
+    <ds:schemaRef ds:uri="http://schemas.microsoft.com/VisualStudio/2011/storyboarding/control"/>
+  </ds:schemaRefs>
+</ds:datastoreItem>
+</file>
+
+<file path=customXml/itemProps21.xml><?xml version="1.0" encoding="utf-8"?>
 <ds:datastoreItem xmlns:ds="http://schemas.openxmlformats.org/officeDocument/2006/customXml" ds:itemID="{F4665DE9-2DAC-46A8-B40E-862450E7B1AC}">
   <ds:schemaRefs>
     <ds:schemaRef ds:uri="http://schemas.microsoft.com/VisualStudio/2011/storyboarding/control"/>
@@ -36505,7 +36978,7 @@
 </ds:datastoreItem>
 </file>
 
-<file path=customXml/itemProps21.xml><?xml version="1.0" encoding="utf-8"?>
+<file path=customXml/itemProps22.xml><?xml version="1.0" encoding="utf-8"?>
 <ds:datastoreItem xmlns:ds="http://schemas.openxmlformats.org/officeDocument/2006/customXml" ds:itemID="{8C320CDC-A06C-40B9-A18F-9038D7FB7FEF}">
   <ds:schemaRefs>
     <ds:schemaRef ds:uri="http://schemas.microsoft.com/VisualStudio/2011/storyboarding/control"/>
@@ -36513,7 +36986,7 @@
 </ds:datastoreItem>
 </file>
 
-<file path=customXml/itemProps22.xml><?xml version="1.0" encoding="utf-8"?>
+<file path=customXml/itemProps23.xml><?xml version="1.0" encoding="utf-8"?>
 <ds:datastoreItem xmlns:ds="http://schemas.openxmlformats.org/officeDocument/2006/customXml" ds:itemID="{49D2A167-4BCF-4ABC-A6AA-2EAAA9F9C3C4}">
   <ds:schemaRefs>
     <ds:schemaRef ds:uri="http://schemas.microsoft.com/VisualStudio/2011/storyboarding/control"/>
@@ -36521,7 +36994,7 @@
 </ds:datastoreItem>
 </file>
 
-<file path=customXml/itemProps23.xml><?xml version="1.0" encoding="utf-8"?>
+<file path=customXml/itemProps24.xml><?xml version="1.0" encoding="utf-8"?>
 <ds:datastoreItem xmlns:ds="http://schemas.openxmlformats.org/officeDocument/2006/customXml" ds:itemID="{8FF92496-91DA-4499-B03A-85F3D2417627}">
   <ds:schemaRefs>
     <ds:schemaRef ds:uri="http://schemas.microsoft.com/VisualStudio/2011/storyboarding/control"/>
@@ -36529,7 +37002,7 @@
 </ds:datastoreItem>
 </file>
 
-<file path=customXml/itemProps24.xml><?xml version="1.0" encoding="utf-8"?>
+<file path=customXml/itemProps25.xml><?xml version="1.0" encoding="utf-8"?>
 <ds:datastoreItem xmlns:ds="http://schemas.openxmlformats.org/officeDocument/2006/customXml" ds:itemID="{533D3C60-E171-4646-BECF-6830A6988E23}">
   <ds:schemaRefs>
     <ds:schemaRef ds:uri="http://schemas.microsoft.com/VisualStudio/2011/storyboarding/control"/>
@@ -36537,7 +37010,7 @@
 </ds:datastoreItem>
 </file>
 
-<file path=customXml/itemProps25.xml><?xml version="1.0" encoding="utf-8"?>
+<file path=customXml/itemProps26.xml><?xml version="1.0" encoding="utf-8"?>
 <ds:datastoreItem xmlns:ds="http://schemas.openxmlformats.org/officeDocument/2006/customXml" ds:itemID="{17CE3AFD-CFED-4687-B226-14ECA2516337}">
   <ds:schemaRefs>
     <ds:schemaRef ds:uri="http://schemas.microsoft.com/VisualStudio/2011/storyboarding/control"/>
@@ -36545,7 +37018,7 @@
 </ds:datastoreItem>
 </file>
 
-<file path=customXml/itemProps26.xml><?xml version="1.0" encoding="utf-8"?>
+<file path=customXml/itemProps27.xml><?xml version="1.0" encoding="utf-8"?>
 <ds:datastoreItem xmlns:ds="http://schemas.openxmlformats.org/officeDocument/2006/customXml" ds:itemID="{68953447-4CEC-48E4-B88D-E666DEDA3386}">
   <ds:schemaRefs>
     <ds:schemaRef ds:uri="http://schemas.microsoft.com/VisualStudio/2011/storyboarding/control"/>
@@ -36553,7 +37026,7 @@
 </ds:datastoreItem>
 </file>
 
-<file path=customXml/itemProps27.xml><?xml version="1.0" encoding="utf-8"?>
+<file path=customXml/itemProps28.xml><?xml version="1.0" encoding="utf-8"?>
 <ds:datastoreItem xmlns:ds="http://schemas.openxmlformats.org/officeDocument/2006/customXml" ds:itemID="{A299C067-167E-4533-9F36-A54A9EBCDAD4}">
   <ds:schemaRefs>
     <ds:schemaRef ds:uri="http://schemas.microsoft.com/VisualStudio/2011/storyboarding/control"/>
@@ -36561,16 +37034,8 @@
 </ds:datastoreItem>
 </file>
 
-<file path=customXml/itemProps28.xml><?xml version="1.0" encoding="utf-8"?>
+<file path=customXml/itemProps29.xml><?xml version="1.0" encoding="utf-8"?>
 <ds:datastoreItem xmlns:ds="http://schemas.openxmlformats.org/officeDocument/2006/customXml" ds:itemID="{1CAB0072-EFFD-4B21-A25F-DFDD87ED6C75}">
-  <ds:schemaRefs>
-    <ds:schemaRef ds:uri="http://schemas.microsoft.com/VisualStudio/2011/storyboarding/control"/>
-  </ds:schemaRefs>
-</ds:datastoreItem>
-</file>
-
-<file path=customXml/itemProps29.xml><?xml version="1.0" encoding="utf-8"?>
-<ds:datastoreItem xmlns:ds="http://schemas.openxmlformats.org/officeDocument/2006/customXml" ds:itemID="{A97D60BE-B195-4E3F-ABFC-A24850D38F11}">
   <ds:schemaRefs>
     <ds:schemaRef ds:uri="http://schemas.microsoft.com/VisualStudio/2011/storyboarding/control"/>
   </ds:schemaRefs>
@@ -36586,6 +37051,14 @@
 </file>
 
 <file path=customXml/itemProps30.xml><?xml version="1.0" encoding="utf-8"?>
+<ds:datastoreItem xmlns:ds="http://schemas.openxmlformats.org/officeDocument/2006/customXml" ds:itemID="{A97D60BE-B195-4E3F-ABFC-A24850D38F11}">
+  <ds:schemaRefs>
+    <ds:schemaRef ds:uri="http://schemas.microsoft.com/VisualStudio/2011/storyboarding/control"/>
+  </ds:schemaRefs>
+</ds:datastoreItem>
+</file>
+
+<file path=customXml/itemProps31.xml><?xml version="1.0" encoding="utf-8"?>
 <ds:datastoreItem xmlns:ds="http://schemas.openxmlformats.org/officeDocument/2006/customXml" ds:itemID="{D8295DF9-3922-443C-8139-665252DB59E4}">
   <ds:schemaRefs>
     <ds:schemaRef ds:uri="http://schemas.microsoft.com/VisualStudio/2011/storyboarding/control"/>
@@ -36593,7 +37066,7 @@
 </ds:datastoreItem>
 </file>
 
-<file path=customXml/itemProps31.xml><?xml version="1.0" encoding="utf-8"?>
+<file path=customXml/itemProps32.xml><?xml version="1.0" encoding="utf-8"?>
 <ds:datastoreItem xmlns:ds="http://schemas.openxmlformats.org/officeDocument/2006/customXml" ds:itemID="{9423B65C-2DEA-4BEA-8017-3A32F84AFAB8}">
   <ds:schemaRefs>
     <ds:schemaRef ds:uri="http://schemas.microsoft.com/VisualStudio/2011/storyboarding/control"/>
@@ -36601,7 +37074,7 @@
 </ds:datastoreItem>
 </file>
 
-<file path=customXml/itemProps32.xml><?xml version="1.0" encoding="utf-8"?>
+<file path=customXml/itemProps33.xml><?xml version="1.0" encoding="utf-8"?>
 <ds:datastoreItem xmlns:ds="http://schemas.openxmlformats.org/officeDocument/2006/customXml" ds:itemID="{B35700B4-6CD1-4EB7-8BE8-38DB924F6732}">
   <ds:schemaRefs>
     <ds:schemaRef ds:uri="http://schemas.microsoft.com/VisualStudio/2011/storyboarding/control"/>
@@ -36609,7 +37082,7 @@
 </ds:datastoreItem>
 </file>
 
-<file path=customXml/itemProps33.xml><?xml version="1.0" encoding="utf-8"?>
+<file path=customXml/itemProps34.xml><?xml version="1.0" encoding="utf-8"?>
 <ds:datastoreItem xmlns:ds="http://schemas.openxmlformats.org/officeDocument/2006/customXml" ds:itemID="{2272358E-BB92-4D2A-A473-16E7717D9F1D}">
   <ds:schemaRefs>
     <ds:schemaRef ds:uri="http://schemas.microsoft.com/VisualStudio/2011/storyboarding/control"/>
@@ -36617,7 +37090,7 @@
 </ds:datastoreItem>
 </file>
 
-<file path=customXml/itemProps34.xml><?xml version="1.0" encoding="utf-8"?>
+<file path=customXml/itemProps35.xml><?xml version="1.0" encoding="utf-8"?>
 <ds:datastoreItem xmlns:ds="http://schemas.openxmlformats.org/officeDocument/2006/customXml" ds:itemID="{895E7A3F-39C7-49AC-87ED-D51F672357EB}">
   <ds:schemaRefs>
     <ds:schemaRef ds:uri="http://schemas.microsoft.com/VisualStudio/2011/storyboarding/control"/>
@@ -36625,7 +37098,7 @@
 </ds:datastoreItem>
 </file>
 
-<file path=customXml/itemProps35.xml><?xml version="1.0" encoding="utf-8"?>
+<file path=customXml/itemProps36.xml><?xml version="1.0" encoding="utf-8"?>
 <ds:datastoreItem xmlns:ds="http://schemas.openxmlformats.org/officeDocument/2006/customXml" ds:itemID="{BB90EAB3-9935-4534-AC4C-DF0310FFD662}">
   <ds:schemaRefs>
     <ds:schemaRef ds:uri="http://schemas.microsoft.com/VisualStudio/2011/storyboarding/control"/>
@@ -36633,7 +37106,7 @@
 </ds:datastoreItem>
 </file>
 
-<file path=customXml/itemProps36.xml><?xml version="1.0" encoding="utf-8"?>
+<file path=customXml/itemProps37.xml><?xml version="1.0" encoding="utf-8"?>
 <ds:datastoreItem xmlns:ds="http://schemas.openxmlformats.org/officeDocument/2006/customXml" ds:itemID="{A7F99C06-5913-48C2-82F1-430BEB8B1F2B}">
   <ds:schemaRefs>
     <ds:schemaRef ds:uri="http://schemas.microsoft.com/VisualStudio/2011/storyboarding/control"/>
@@ -36641,7 +37114,7 @@
 </ds:datastoreItem>
 </file>
 
-<file path=customXml/itemProps37.xml><?xml version="1.0" encoding="utf-8"?>
+<file path=customXml/itemProps38.xml><?xml version="1.0" encoding="utf-8"?>
 <ds:datastoreItem xmlns:ds="http://schemas.openxmlformats.org/officeDocument/2006/customXml" ds:itemID="{B86FC14E-608D-4408-A64C-21E6AEE90D98}">
   <ds:schemaRefs>
     <ds:schemaRef ds:uri="http://schemas.microsoft.com/VisualStudio/2011/storyboarding/control"/>
@@ -36649,16 +37122,8 @@
 </ds:datastoreItem>
 </file>
 
-<file path=customXml/itemProps38.xml><?xml version="1.0" encoding="utf-8"?>
+<file path=customXml/itemProps39.xml><?xml version="1.0" encoding="utf-8"?>
 <ds:datastoreItem xmlns:ds="http://schemas.openxmlformats.org/officeDocument/2006/customXml" ds:itemID="{515E1F37-E100-4315-81AF-979A7269665C}">
-  <ds:schemaRefs>
-    <ds:schemaRef ds:uri="http://schemas.microsoft.com/VisualStudio/2011/storyboarding/control"/>
-  </ds:schemaRefs>
-</ds:datastoreItem>
-</file>
-
-<file path=customXml/itemProps39.xml><?xml version="1.0" encoding="utf-8"?>
-<ds:datastoreItem xmlns:ds="http://schemas.openxmlformats.org/officeDocument/2006/customXml" ds:itemID="{A53091A4-82CD-478F-BE10-70C7ABD53DF2}">
   <ds:schemaRefs>
     <ds:schemaRef ds:uri="http://schemas.microsoft.com/VisualStudio/2011/storyboarding/control"/>
   </ds:schemaRefs>
@@ -36674,6 +37139,14 @@
 </file>
 
 <file path=customXml/itemProps40.xml><?xml version="1.0" encoding="utf-8"?>
+<ds:datastoreItem xmlns:ds="http://schemas.openxmlformats.org/officeDocument/2006/customXml" ds:itemID="{A53091A4-82CD-478F-BE10-70C7ABD53DF2}">
+  <ds:schemaRefs>
+    <ds:schemaRef ds:uri="http://schemas.microsoft.com/VisualStudio/2011/storyboarding/control"/>
+  </ds:schemaRefs>
+</ds:datastoreItem>
+</file>
+
+<file path=customXml/itemProps41.xml><?xml version="1.0" encoding="utf-8"?>
 <ds:datastoreItem xmlns:ds="http://schemas.openxmlformats.org/officeDocument/2006/customXml" ds:itemID="{EDD89C40-DA9A-4404-8E83-026C08EE6615}">
   <ds:schemaRefs>
     <ds:schemaRef ds:uri="http://schemas.microsoft.com/VisualStudio/2011/storyboarding/control"/>
@@ -36681,7 +37154,7 @@
 </ds:datastoreItem>
 </file>
 
-<file path=customXml/itemProps41.xml><?xml version="1.0" encoding="utf-8"?>
+<file path=customXml/itemProps42.xml><?xml version="1.0" encoding="utf-8"?>
 <ds:datastoreItem xmlns:ds="http://schemas.openxmlformats.org/officeDocument/2006/customXml" ds:itemID="{6A1A1980-66AF-46E0-938F-3B088D330D23}">
   <ds:schemaRefs>
     <ds:schemaRef ds:uri="http://schemas.microsoft.com/VisualStudio/2011/storyboarding/control"/>
@@ -36689,7 +37162,7 @@
 </ds:datastoreItem>
 </file>
 
-<file path=customXml/itemProps42.xml><?xml version="1.0" encoding="utf-8"?>
+<file path=customXml/itemProps43.xml><?xml version="1.0" encoding="utf-8"?>
 <ds:datastoreItem xmlns:ds="http://schemas.openxmlformats.org/officeDocument/2006/customXml" ds:itemID="{814F4E1D-F13D-4314-852E-4462244935E7}">
   <ds:schemaRefs>
     <ds:schemaRef ds:uri="http://schemas.microsoft.com/VisualStudio/2011/storyboarding/control"/>
@@ -36697,7 +37170,7 @@
 </ds:datastoreItem>
 </file>
 
-<file path=customXml/itemProps43.xml><?xml version="1.0" encoding="utf-8"?>
+<file path=customXml/itemProps44.xml><?xml version="1.0" encoding="utf-8"?>
 <ds:datastoreItem xmlns:ds="http://schemas.openxmlformats.org/officeDocument/2006/customXml" ds:itemID="{450BA41A-BD58-4C97-AD99-49ABE37A0867}">
   <ds:schemaRefs>
     <ds:schemaRef ds:uri="http://schemas.microsoft.com/VisualStudio/2011/storyboarding/control"/>
@@ -36705,7 +37178,7 @@
 </ds:datastoreItem>
 </file>
 
-<file path=customXml/itemProps44.xml><?xml version="1.0" encoding="utf-8"?>
+<file path=customXml/itemProps45.xml><?xml version="1.0" encoding="utf-8"?>
 <ds:datastoreItem xmlns:ds="http://schemas.openxmlformats.org/officeDocument/2006/customXml" ds:itemID="{7BE1642E-23EB-419E-8A35-2F48A360C87D}">
   <ds:schemaRefs>
     <ds:schemaRef ds:uri="http://schemas.microsoft.com/VisualStudio/2011/storyboarding/control"/>
@@ -36713,7 +37186,7 @@
 </ds:datastoreItem>
 </file>
 
-<file path=customXml/itemProps45.xml><?xml version="1.0" encoding="utf-8"?>
+<file path=customXml/itemProps46.xml><?xml version="1.0" encoding="utf-8"?>
 <ds:datastoreItem xmlns:ds="http://schemas.openxmlformats.org/officeDocument/2006/customXml" ds:itemID="{8465AE39-6564-424B-8FC4-4527EAFCA233}">
   <ds:schemaRefs>
     <ds:schemaRef ds:uri="http://schemas.microsoft.com/VisualStudio/2011/storyboarding/control"/>
@@ -36721,7 +37194,7 @@
 </ds:datastoreItem>
 </file>
 
-<file path=customXml/itemProps46.xml><?xml version="1.0" encoding="utf-8"?>
+<file path=customXml/itemProps47.xml><?xml version="1.0" encoding="utf-8"?>
 <ds:datastoreItem xmlns:ds="http://schemas.openxmlformats.org/officeDocument/2006/customXml" ds:itemID="{BC4E66E7-0A4D-4B8D-BD93-DE459E4A866C}">
   <ds:schemaRefs>
     <ds:schemaRef ds:uri="http://schemas.microsoft.com/VisualStudio/2011/storyboarding/control"/>
@@ -36729,7 +37202,7 @@
 </ds:datastoreItem>
 </file>
 
-<file path=customXml/itemProps47.xml><?xml version="1.0" encoding="utf-8"?>
+<file path=customXml/itemProps48.xml><?xml version="1.0" encoding="utf-8"?>
 <ds:datastoreItem xmlns:ds="http://schemas.openxmlformats.org/officeDocument/2006/customXml" ds:itemID="{F78B8A5A-D2D8-4DF0-8131-9171D488C9F2}">
   <ds:schemaRefs>
     <ds:schemaRef ds:uri="http://schemas.microsoft.com/VisualStudio/2011/storyboarding/control"/>
@@ -36737,16 +37210,8 @@
 </ds:datastoreItem>
 </file>
 
-<file path=customXml/itemProps48.xml><?xml version="1.0" encoding="utf-8"?>
+<file path=customXml/itemProps49.xml><?xml version="1.0" encoding="utf-8"?>
 <ds:datastoreItem xmlns:ds="http://schemas.openxmlformats.org/officeDocument/2006/customXml" ds:itemID="{C87E8AC1-1E6D-4E95-B2E4-90A5A19CC4A1}">
-  <ds:schemaRefs>
-    <ds:schemaRef ds:uri="http://schemas.microsoft.com/VisualStudio/2011/storyboarding/control"/>
-  </ds:schemaRefs>
-</ds:datastoreItem>
-</file>
-
-<file path=customXml/itemProps49.xml><?xml version="1.0" encoding="utf-8"?>
-<ds:datastoreItem xmlns:ds="http://schemas.openxmlformats.org/officeDocument/2006/customXml" ds:itemID="{B8EF9A7E-81E3-41CB-BFEA-2213C8FD1236}">
   <ds:schemaRefs>
     <ds:schemaRef ds:uri="http://schemas.microsoft.com/VisualStudio/2011/storyboarding/control"/>
   </ds:schemaRefs>
@@ -36762,6 +37227,14 @@
 </file>
 
 <file path=customXml/itemProps50.xml><?xml version="1.0" encoding="utf-8"?>
+<ds:datastoreItem xmlns:ds="http://schemas.openxmlformats.org/officeDocument/2006/customXml" ds:itemID="{B8EF9A7E-81E3-41CB-BFEA-2213C8FD1236}">
+  <ds:schemaRefs>
+    <ds:schemaRef ds:uri="http://schemas.microsoft.com/VisualStudio/2011/storyboarding/control"/>
+  </ds:schemaRefs>
+</ds:datastoreItem>
+</file>
+
+<file path=customXml/itemProps51.xml><?xml version="1.0" encoding="utf-8"?>
 <ds:datastoreItem xmlns:ds="http://schemas.openxmlformats.org/officeDocument/2006/customXml" ds:itemID="{EC2CAD15-F459-4CA6-B185-963793336D92}">
   <ds:schemaRefs>
     <ds:schemaRef ds:uri="http://schemas.microsoft.com/VisualStudio/2011/storyboarding/control"/>
@@ -36769,7 +37242,7 @@
 </ds:datastoreItem>
 </file>
 
-<file path=customXml/itemProps51.xml><?xml version="1.0" encoding="utf-8"?>
+<file path=customXml/itemProps52.xml><?xml version="1.0" encoding="utf-8"?>
 <ds:datastoreItem xmlns:ds="http://schemas.openxmlformats.org/officeDocument/2006/customXml" ds:itemID="{F556BC79-6218-4635-9EC9-CC38FDA5D3C6}">
   <ds:schemaRefs>
     <ds:schemaRef ds:uri="http://schemas.microsoft.com/VisualStudio/2011/storyboarding/control"/>
@@ -36777,7 +37250,7 @@
 </ds:datastoreItem>
 </file>
 
-<file path=customXml/itemProps52.xml><?xml version="1.0" encoding="utf-8"?>
+<file path=customXml/itemProps53.xml><?xml version="1.0" encoding="utf-8"?>
 <ds:datastoreItem xmlns:ds="http://schemas.openxmlformats.org/officeDocument/2006/customXml" ds:itemID="{21ADAED9-7365-4BBF-A577-DF67DD8DE18D}">
   <ds:schemaRefs>
     <ds:schemaRef ds:uri="http://schemas.microsoft.com/VisualStudio/2011/storyboarding/control"/>
@@ -36786,6 +37259,14 @@
 </file>
 
 <file path=customXml/itemProps6.xml><?xml version="1.0" encoding="utf-8"?>
+<ds:datastoreItem xmlns:ds="http://schemas.openxmlformats.org/officeDocument/2006/customXml" ds:itemID="{64D3B750-E120-4FD8-992A-9706A21604C5}">
+  <ds:schemaRefs>
+    <ds:schemaRef ds:uri="http://schemas.microsoft.com/VisualStudio/2011/storyboarding/control"/>
+  </ds:schemaRefs>
+</ds:datastoreItem>
+</file>
+
+<file path=customXml/itemProps7.xml><?xml version="1.0" encoding="utf-8"?>
 <ds:datastoreItem xmlns:ds="http://schemas.openxmlformats.org/officeDocument/2006/customXml" ds:itemID="{7C063233-B10F-462E-913A-72571103D4E0}">
   <ds:schemaRefs>
     <ds:schemaRef ds:uri="http://schemas.microsoft.com/VisualStudio/2011/storyboarding/control"/>
@@ -36793,7 +37274,7 @@
 </ds:datastoreItem>
 </file>
 
-<file path=customXml/itemProps7.xml><?xml version="1.0" encoding="utf-8"?>
+<file path=customXml/itemProps8.xml><?xml version="1.0" encoding="utf-8"?>
 <ds:datastoreItem xmlns:ds="http://schemas.openxmlformats.org/officeDocument/2006/customXml" ds:itemID="{2D4CCAB9-7252-405D-9C0D-0364E3003D01}">
   <ds:schemaRefs>
     <ds:schemaRef ds:uri="http://schemas.microsoft.com/VisualStudio/2011/storyboarding/control"/>
@@ -36801,18 +37282,10 @@
 </ds:datastoreItem>
 </file>
 
-<file path=customXml/itemProps8.xml><?xml version="1.0" encoding="utf-8"?>
+<file path=customXml/itemProps9.xml><?xml version="1.0" encoding="utf-8"?>
 <ds:datastoreItem xmlns:ds="http://schemas.openxmlformats.org/officeDocument/2006/customXml" ds:itemID="{8C56B4E8-D0D5-4170-A2BF-923229846651}">
   <ds:schemaRefs>
     <ds:schemaRef ds:uri="http://schemas.microsoft.com/VisualStudio/2011/storyboarding/control"/>
   </ds:schemaRefs>
 </ds:datastoreItem>
-</file>
-
-<file path=customXml/itemProps9.xml><?xml version="1.0" encoding="utf-8"?>
-<ds:datastoreItem xmlns:ds="http://schemas.openxmlformats.org/officeDocument/2006/customXml" ds:itemID="{780D0523-7DF3-42F7-A619-92A4565DF1EF}">
-  <ds:schemaRefs>
-    <ds:schemaRef ds:uri="http://schemas.microsoft.com/VisualStudio/2011/storyboarding/control"/>
-  </ds:schemaRefs>
-</ds:datastoreItem>
 </file>
--- a/빈틈 계획서.pptx
+++ b/빈틈 계획서.pptx
@@ -126,8 +126,8 @@
 <pc:chgInfo xmlns:a="http://schemas.openxmlformats.org/drawingml/2006/main" xmlns:r="http://schemas.openxmlformats.org/officeDocument/2006/relationships" xmlns:ac="http://schemas.microsoft.com/office/drawing/2013/main/command" xmlns:pc="http://schemas.microsoft.com/office/powerpoint/2013/main/command">
   <pc:docChgLst>
     <pc:chgData name="JEONGWON LEE" userId="2f01d0a345388971" providerId="LiveId" clId="{C1632F16-D318-4E9C-97CD-FF38F5F467DA}"/>
-    <pc:docChg chg="custSel modSld">
-      <pc:chgData name="JEONGWON LEE" userId="2f01d0a345388971" providerId="LiveId" clId="{C1632F16-D318-4E9C-97CD-FF38F5F467DA}" dt="2018-02-26T06:43:31.696" v="140" actId="1076"/>
+    <pc:docChg chg="undo custSel modSld">
+      <pc:chgData name="JEONGWON LEE" userId="2f01d0a345388971" providerId="LiveId" clId="{C1632F16-D318-4E9C-97CD-FF38F5F467DA}" dt="2018-03-03T07:12:11.194" v="146"/>
       <pc:docMkLst>
         <pc:docMk/>
       </pc:docMkLst>
@@ -138,7 +138,7 @@
           <pc:sldMk cId="3995764115" sldId="257"/>
         </pc:sldMkLst>
         <pc:spChg chg="add mod">
-          <ac:chgData name="JEONGWON LEE" userId="2f01d0a345388971" providerId="LiveId" clId="{C1632F16-D318-4E9C-97CD-FF38F5F467DA}" dt="2018-02-26T05:23:57.189" v="58"/>
+          <ac:chgData name="JEONGWON LEE" userId="2f01d0a345388971" providerId="LiveId" clId="{C1632F16-D318-4E9C-97CD-FF38F5F467DA}" dt="2018-02-26T05:23:57.189" v="58" actId="20577"/>
           <ac:spMkLst>
             <pc:docMk/>
             <pc:sldMk cId="3995764115" sldId="257"/>
@@ -170,7 +170,7 @@
           </ac:spMkLst>
         </pc:spChg>
         <pc:spChg chg="mod">
-          <ac:chgData name="JEONGWON LEE" userId="2f01d0a345388971" providerId="LiveId" clId="{C1632F16-D318-4E9C-97CD-FF38F5F467DA}" dt="2018-02-26T05:24:05.650" v="64"/>
+          <ac:chgData name="JEONGWON LEE" userId="2f01d0a345388971" providerId="LiveId" clId="{C1632F16-D318-4E9C-97CD-FF38F5F467DA}" dt="2018-02-26T05:24:05.650" v="64" actId="20577"/>
           <ac:spMkLst>
             <pc:docMk/>
             <pc:sldMk cId="3995764115" sldId="257"/>
@@ -178,14 +178,29 @@
           </ac:spMkLst>
         </pc:spChg>
       </pc:sldChg>
+      <pc:sldChg chg="addSp delSp">
+        <pc:chgData name="JEONGWON LEE" userId="2f01d0a345388971" providerId="LiveId" clId="{C1632F16-D318-4E9C-97CD-FF38F5F467DA}" dt="2018-03-03T07:11:42.812" v="144" actId="478"/>
+        <pc:sldMkLst>
+          <pc:docMk/>
+          <pc:sldMk cId="1200601215" sldId="258"/>
+        </pc:sldMkLst>
+        <pc:spChg chg="add del">
+          <ac:chgData name="JEONGWON LEE" userId="2f01d0a345388971" providerId="LiveId" clId="{C1632F16-D318-4E9C-97CD-FF38F5F467DA}" dt="2018-03-03T07:11:42.812" v="144" actId="478"/>
+          <ac:spMkLst>
+            <pc:docMk/>
+            <pc:sldMk cId="1200601215" sldId="258"/>
+            <ac:spMk id="3" creationId="{11EF96F0-A0B1-426F-9C51-69045AD9ED91}"/>
+          </ac:spMkLst>
+        </pc:spChg>
+      </pc:sldChg>
       <pc:sldChg chg="modSp">
-        <pc:chgData name="JEONGWON LEE" userId="2f01d0a345388971" providerId="LiveId" clId="{C1632F16-D318-4E9C-97CD-FF38F5F467DA}" dt="2018-02-26T06:43:31.696" v="140" actId="1076"/>
+        <pc:chgData name="JEONGWON LEE" userId="2f01d0a345388971" providerId="LiveId" clId="{C1632F16-D318-4E9C-97CD-FF38F5F467DA}" dt="2018-03-02T17:15:16.396" v="141" actId="1076"/>
         <pc:sldMkLst>
           <pc:docMk/>
           <pc:sldMk cId="2826448814" sldId="259"/>
         </pc:sldMkLst>
         <pc:spChg chg="mod">
-          <ac:chgData name="JEONGWON LEE" userId="2f01d0a345388971" providerId="LiveId" clId="{C1632F16-D318-4E9C-97CD-FF38F5F467DA}" dt="2018-02-26T06:43:31.696" v="140" actId="1076"/>
+          <ac:chgData name="JEONGWON LEE" userId="2f01d0a345388971" providerId="LiveId" clId="{C1632F16-D318-4E9C-97CD-FF38F5F467DA}" dt="2018-03-02T17:15:16.396" v="141" actId="1076"/>
           <ac:spMkLst>
             <pc:docMk/>
             <pc:sldMk cId="2826448814" sldId="259"/>
@@ -193,7 +208,7 @@
           </ac:spMkLst>
         </pc:spChg>
         <pc:spChg chg="mod">
-          <ac:chgData name="JEONGWON LEE" userId="2f01d0a345388971" providerId="LiveId" clId="{C1632F16-D318-4E9C-97CD-FF38F5F467DA}" dt="2018-02-26T06:43:31.696" v="140" actId="1076"/>
+          <ac:chgData name="JEONGWON LEE" userId="2f01d0a345388971" providerId="LiveId" clId="{C1632F16-D318-4E9C-97CD-FF38F5F467DA}" dt="2018-03-02T17:15:16.396" v="141" actId="1076"/>
           <ac:spMkLst>
             <pc:docMk/>
             <pc:sldMk cId="2826448814" sldId="259"/>
@@ -201,7 +216,7 @@
           </ac:spMkLst>
         </pc:spChg>
         <pc:spChg chg="mod">
-          <ac:chgData name="JEONGWON LEE" userId="2f01d0a345388971" providerId="LiveId" clId="{C1632F16-D318-4E9C-97CD-FF38F5F467DA}" dt="2018-02-26T06:43:31.696" v="140" actId="1076"/>
+          <ac:chgData name="JEONGWON LEE" userId="2f01d0a345388971" providerId="LiveId" clId="{C1632F16-D318-4E9C-97CD-FF38F5F467DA}" dt="2018-03-02T17:15:16.396" v="141" actId="1076"/>
           <ac:spMkLst>
             <pc:docMk/>
             <pc:sldMk cId="2826448814" sldId="259"/>
@@ -209,7 +224,7 @@
           </ac:spMkLst>
         </pc:spChg>
         <pc:spChg chg="mod">
-          <ac:chgData name="JEONGWON LEE" userId="2f01d0a345388971" providerId="LiveId" clId="{C1632F16-D318-4E9C-97CD-FF38F5F467DA}" dt="2018-02-26T06:43:31.696" v="140" actId="1076"/>
+          <ac:chgData name="JEONGWON LEE" userId="2f01d0a345388971" providerId="LiveId" clId="{C1632F16-D318-4E9C-97CD-FF38F5F467DA}" dt="2018-03-02T17:15:16.396" v="141" actId="1076"/>
           <ac:spMkLst>
             <pc:docMk/>
             <pc:sldMk cId="2826448814" sldId="259"/>
@@ -217,7 +232,7 @@
           </ac:spMkLst>
         </pc:spChg>
         <pc:spChg chg="mod">
-          <ac:chgData name="JEONGWON LEE" userId="2f01d0a345388971" providerId="LiveId" clId="{C1632F16-D318-4E9C-97CD-FF38F5F467DA}" dt="2018-02-26T06:43:31.696" v="140" actId="1076"/>
+          <ac:chgData name="JEONGWON LEE" userId="2f01d0a345388971" providerId="LiveId" clId="{C1632F16-D318-4E9C-97CD-FF38F5F467DA}" dt="2018-03-02T17:15:16.396" v="141" actId="1076"/>
           <ac:spMkLst>
             <pc:docMk/>
             <pc:sldMk cId="2826448814" sldId="259"/>
@@ -225,7 +240,7 @@
           </ac:spMkLst>
         </pc:spChg>
         <pc:spChg chg="mod">
-          <ac:chgData name="JEONGWON LEE" userId="2f01d0a345388971" providerId="LiveId" clId="{C1632F16-D318-4E9C-97CD-FF38F5F467DA}" dt="2018-02-26T06:43:31.696" v="140" actId="1076"/>
+          <ac:chgData name="JEONGWON LEE" userId="2f01d0a345388971" providerId="LiveId" clId="{C1632F16-D318-4E9C-97CD-FF38F5F467DA}" dt="2018-03-02T17:15:16.396" v="141" actId="1076"/>
           <ac:spMkLst>
             <pc:docMk/>
             <pc:sldMk cId="2826448814" sldId="259"/>
@@ -233,7 +248,7 @@
           </ac:spMkLst>
         </pc:spChg>
         <pc:spChg chg="mod">
-          <ac:chgData name="JEONGWON LEE" userId="2f01d0a345388971" providerId="LiveId" clId="{C1632F16-D318-4E9C-97CD-FF38F5F467DA}" dt="2018-02-26T06:43:31.696" v="140" actId="1076"/>
+          <ac:chgData name="JEONGWON LEE" userId="2f01d0a345388971" providerId="LiveId" clId="{C1632F16-D318-4E9C-97CD-FF38F5F467DA}" dt="2018-03-02T17:15:16.396" v="141" actId="1076"/>
           <ac:spMkLst>
             <pc:docMk/>
             <pc:sldMk cId="2826448814" sldId="259"/>
@@ -241,7 +256,7 @@
           </ac:spMkLst>
         </pc:spChg>
         <pc:spChg chg="mod">
-          <ac:chgData name="JEONGWON LEE" userId="2f01d0a345388971" providerId="LiveId" clId="{C1632F16-D318-4E9C-97CD-FF38F5F467DA}" dt="2018-02-26T06:43:31.696" v="140" actId="1076"/>
+          <ac:chgData name="JEONGWON LEE" userId="2f01d0a345388971" providerId="LiveId" clId="{C1632F16-D318-4E9C-97CD-FF38F5F467DA}" dt="2018-03-02T17:15:16.396" v="141" actId="1076"/>
           <ac:spMkLst>
             <pc:docMk/>
             <pc:sldMk cId="2826448814" sldId="259"/>
@@ -249,7 +264,7 @@
           </ac:spMkLst>
         </pc:spChg>
         <pc:grpChg chg="mod">
-          <ac:chgData name="JEONGWON LEE" userId="2f01d0a345388971" providerId="LiveId" clId="{C1632F16-D318-4E9C-97CD-FF38F5F467DA}" dt="2018-02-26T06:43:31.696" v="140" actId="1076"/>
+          <ac:chgData name="JEONGWON LEE" userId="2f01d0a345388971" providerId="LiveId" clId="{C1632F16-D318-4E9C-97CD-FF38F5F467DA}" dt="2018-03-02T17:15:16.396" v="141" actId="1076"/>
           <ac:grpSpMkLst>
             <pc:docMk/>
             <pc:sldMk cId="2826448814" sldId="259"/>
@@ -257,7 +272,7 @@
           </ac:grpSpMkLst>
         </pc:grpChg>
         <pc:grpChg chg="mod">
-          <ac:chgData name="JEONGWON LEE" userId="2f01d0a345388971" providerId="LiveId" clId="{C1632F16-D318-4E9C-97CD-FF38F5F467DA}" dt="2018-02-26T06:43:31.696" v="140" actId="1076"/>
+          <ac:chgData name="JEONGWON LEE" userId="2f01d0a345388971" providerId="LiveId" clId="{C1632F16-D318-4E9C-97CD-FF38F5F467DA}" dt="2018-03-02T17:15:16.396" v="141" actId="1076"/>
           <ac:grpSpMkLst>
             <pc:docMk/>
             <pc:sldMk cId="2826448814" sldId="259"/>
@@ -265,7 +280,7 @@
           </ac:grpSpMkLst>
         </pc:grpChg>
         <pc:grpChg chg="mod">
-          <ac:chgData name="JEONGWON LEE" userId="2f01d0a345388971" providerId="LiveId" clId="{C1632F16-D318-4E9C-97CD-FF38F5F467DA}" dt="2018-02-26T06:43:31.696" v="140" actId="1076"/>
+          <ac:chgData name="JEONGWON LEE" userId="2f01d0a345388971" providerId="LiveId" clId="{C1632F16-D318-4E9C-97CD-FF38F5F467DA}" dt="2018-03-02T17:15:16.396" v="141" actId="1076"/>
           <ac:grpSpMkLst>
             <pc:docMk/>
             <pc:sldMk cId="2826448814" sldId="259"/>
@@ -273,7 +288,7 @@
           </ac:grpSpMkLst>
         </pc:grpChg>
         <pc:grpChg chg="mod">
-          <ac:chgData name="JEONGWON LEE" userId="2f01d0a345388971" providerId="LiveId" clId="{C1632F16-D318-4E9C-97CD-FF38F5F467DA}" dt="2018-02-26T06:43:31.696" v="140" actId="1076"/>
+          <ac:chgData name="JEONGWON LEE" userId="2f01d0a345388971" providerId="LiveId" clId="{C1632F16-D318-4E9C-97CD-FF38F5F467DA}" dt="2018-03-02T17:15:16.396" v="141" actId="1076"/>
           <ac:grpSpMkLst>
             <pc:docMk/>
             <pc:sldMk cId="2826448814" sldId="259"/>
@@ -281,7 +296,7 @@
           </ac:grpSpMkLst>
         </pc:grpChg>
         <pc:grpChg chg="mod">
-          <ac:chgData name="JEONGWON LEE" userId="2f01d0a345388971" providerId="LiveId" clId="{C1632F16-D318-4E9C-97CD-FF38F5F467DA}" dt="2018-02-26T06:43:31.696" v="140" actId="1076"/>
+          <ac:chgData name="JEONGWON LEE" userId="2f01d0a345388971" providerId="LiveId" clId="{C1632F16-D318-4E9C-97CD-FF38F5F467DA}" dt="2018-03-02T17:15:16.396" v="141" actId="1076"/>
           <ac:grpSpMkLst>
             <pc:docMk/>
             <pc:sldMk cId="2826448814" sldId="259"/>
@@ -289,7 +304,7 @@
           </ac:grpSpMkLst>
         </pc:grpChg>
         <pc:grpChg chg="mod">
-          <ac:chgData name="JEONGWON LEE" userId="2f01d0a345388971" providerId="LiveId" clId="{C1632F16-D318-4E9C-97CD-FF38F5F467DA}" dt="2018-02-26T06:43:31.696" v="140" actId="1076"/>
+          <ac:chgData name="JEONGWON LEE" userId="2f01d0a345388971" providerId="LiveId" clId="{C1632F16-D318-4E9C-97CD-FF38F5F467DA}" dt="2018-03-02T17:15:16.396" v="141" actId="1076"/>
           <ac:grpSpMkLst>
             <pc:docMk/>
             <pc:sldMk cId="2826448814" sldId="259"/>
@@ -297,7 +312,7 @@
           </ac:grpSpMkLst>
         </pc:grpChg>
         <pc:grpChg chg="mod">
-          <ac:chgData name="JEONGWON LEE" userId="2f01d0a345388971" providerId="LiveId" clId="{C1632F16-D318-4E9C-97CD-FF38F5F467DA}" dt="2018-02-26T06:43:31.696" v="140" actId="1076"/>
+          <ac:chgData name="JEONGWON LEE" userId="2f01d0a345388971" providerId="LiveId" clId="{C1632F16-D318-4E9C-97CD-FF38F5F467DA}" dt="2018-03-02T17:15:16.396" v="141" actId="1076"/>
           <ac:grpSpMkLst>
             <pc:docMk/>
             <pc:sldMk cId="2826448814" sldId="259"/>
@@ -305,7 +320,7 @@
           </ac:grpSpMkLst>
         </pc:grpChg>
         <pc:grpChg chg="mod">
-          <ac:chgData name="JEONGWON LEE" userId="2f01d0a345388971" providerId="LiveId" clId="{C1632F16-D318-4E9C-97CD-FF38F5F467DA}" dt="2018-02-26T06:43:31.696" v="140" actId="1076"/>
+          <ac:chgData name="JEONGWON LEE" userId="2f01d0a345388971" providerId="LiveId" clId="{C1632F16-D318-4E9C-97CD-FF38F5F467DA}" dt="2018-03-02T17:15:16.396" v="141" actId="1076"/>
           <ac:grpSpMkLst>
             <pc:docMk/>
             <pc:sldMk cId="2826448814" sldId="259"/>
@@ -313,7 +328,7 @@
           </ac:grpSpMkLst>
         </pc:grpChg>
         <pc:grpChg chg="mod">
-          <ac:chgData name="JEONGWON LEE" userId="2f01d0a345388971" providerId="LiveId" clId="{C1632F16-D318-4E9C-97CD-FF38F5F467DA}" dt="2018-02-26T06:43:31.696" v="140" actId="1076"/>
+          <ac:chgData name="JEONGWON LEE" userId="2f01d0a345388971" providerId="LiveId" clId="{C1632F16-D318-4E9C-97CD-FF38F5F467DA}" dt="2018-03-02T17:15:16.396" v="141" actId="1076"/>
           <ac:grpSpMkLst>
             <pc:docMk/>
             <pc:sldMk cId="2826448814" sldId="259"/>
@@ -321,13 +336,65 @@
           </ac:grpSpMkLst>
         </pc:grpChg>
         <pc:picChg chg="mod">
-          <ac:chgData name="JEONGWON LEE" userId="2f01d0a345388971" providerId="LiveId" clId="{C1632F16-D318-4E9C-97CD-FF38F5F467DA}" dt="2018-02-26T06:43:31.696" v="140" actId="1076"/>
+          <ac:chgData name="JEONGWON LEE" userId="2f01d0a345388971" providerId="LiveId" clId="{C1632F16-D318-4E9C-97CD-FF38F5F467DA}" dt="2018-03-02T17:15:16.396" v="141" actId="1076"/>
+          <ac:picMkLst>
+            <pc:docMk/>
+            <pc:sldMk cId="2826448814" sldId="259"/>
+            <ac:picMk id="37" creationId="{E17E8C00-82C0-4FCB-B613-82B416507076}"/>
+          </ac:picMkLst>
+        </pc:picChg>
+        <pc:picChg chg="mod">
+          <ac:chgData name="JEONGWON LEE" userId="2f01d0a345388971" providerId="LiveId" clId="{C1632F16-D318-4E9C-97CD-FF38F5F467DA}" dt="2018-03-02T17:15:16.396" v="141" actId="1076"/>
           <ac:picMkLst>
             <pc:docMk/>
             <pc:sldMk cId="2826448814" sldId="259"/>
             <ac:picMk id="101" creationId="{AA884893-8E27-45A4-B84F-FD1A05416B3E}"/>
           </ac:picMkLst>
         </pc:picChg>
+      </pc:sldChg>
+      <pc:sldChg chg="modTransition">
+        <pc:chgData name="JEONGWON LEE" userId="2f01d0a345388971" providerId="LiveId" clId="{C1632F16-D318-4E9C-97CD-FF38F5F467DA}" dt="2018-03-03T07:12:11.194" v="146"/>
+        <pc:sldMkLst>
+          <pc:docMk/>
+          <pc:sldMk cId="2528426498" sldId="260"/>
+        </pc:sldMkLst>
+      </pc:sldChg>
+      <pc:sldChg chg="modTransition">
+        <pc:chgData name="JEONGWON LEE" userId="2f01d0a345388971" providerId="LiveId" clId="{C1632F16-D318-4E9C-97CD-FF38F5F467DA}" dt="2018-03-03T07:12:11.194" v="146"/>
+        <pc:sldMkLst>
+          <pc:docMk/>
+          <pc:sldMk cId="3393088189" sldId="261"/>
+        </pc:sldMkLst>
+      </pc:sldChg>
+      <pc:sldChg chg="modTransition">
+        <pc:chgData name="JEONGWON LEE" userId="2f01d0a345388971" providerId="LiveId" clId="{C1632F16-D318-4E9C-97CD-FF38F5F467DA}" dt="2018-03-03T07:12:11.194" v="146"/>
+        <pc:sldMkLst>
+          <pc:docMk/>
+          <pc:sldMk cId="3195598657" sldId="264"/>
+        </pc:sldMkLst>
+      </pc:sldChg>
+      <pc:sldChg chg="addSp delSp modTransition">
+        <pc:chgData name="JEONGWON LEE" userId="2f01d0a345388971" providerId="LiveId" clId="{C1632F16-D318-4E9C-97CD-FF38F5F467DA}" dt="2018-03-03T07:12:11.194" v="146"/>
+        <pc:sldMkLst>
+          <pc:docMk/>
+          <pc:sldMk cId="2868531119" sldId="265"/>
+        </pc:sldMkLst>
+        <pc:spChg chg="add del">
+          <ac:chgData name="JEONGWON LEE" userId="2f01d0a345388971" providerId="LiveId" clId="{C1632F16-D318-4E9C-97CD-FF38F5F467DA}" dt="2018-03-03T07:12:03.776" v="145" actId="478"/>
+          <ac:spMkLst>
+            <pc:docMk/>
+            <pc:sldMk cId="2868531119" sldId="265"/>
+            <ac:spMk id="26" creationId="{723E2B1A-84E6-4689-A467-9E8B7B795BCB}"/>
+          </ac:spMkLst>
+        </pc:spChg>
+        <pc:spChg chg="add del">
+          <ac:chgData name="JEONGWON LEE" userId="2f01d0a345388971" providerId="LiveId" clId="{C1632F16-D318-4E9C-97CD-FF38F5F467DA}" dt="2018-03-03T07:12:03.776" v="145" actId="478"/>
+          <ac:spMkLst>
+            <pc:docMk/>
+            <pc:sldMk cId="2868531119" sldId="265"/>
+            <ac:spMk id="27" creationId="{7F2568CB-6C26-432D-B032-B9A6AE0BECBD}"/>
+          </ac:spMkLst>
+        </pc:spChg>
       </pc:sldChg>
     </pc:docChg>
   </pc:docChgLst>
@@ -877,7 +944,7 @@
           <a:p>
             <a:fld id="{350791B7-D3C2-4492-9285-E2EB7E1290B5}" type="datetimeFigureOut">
               <a:rPr lang="ko-KR" altLang="en-US" smtClean="0"/>
-              <a:t>2018-02-26</a:t>
+              <a:t>2018-03-03</a:t>
             </a:fld>
             <a:endParaRPr lang="ko-KR" altLang="en-US"/>
           </a:p>
@@ -1075,7 +1142,7 @@
           <a:p>
             <a:fld id="{350791B7-D3C2-4492-9285-E2EB7E1290B5}" type="datetimeFigureOut">
               <a:rPr lang="ko-KR" altLang="en-US" smtClean="0"/>
-              <a:t>2018-02-26</a:t>
+              <a:t>2018-03-03</a:t>
             </a:fld>
             <a:endParaRPr lang="ko-KR" altLang="en-US"/>
           </a:p>
@@ -1283,7 +1350,7 @@
           <a:p>
             <a:fld id="{350791B7-D3C2-4492-9285-E2EB7E1290B5}" type="datetimeFigureOut">
               <a:rPr lang="ko-KR" altLang="en-US" smtClean="0"/>
-              <a:t>2018-02-26</a:t>
+              <a:t>2018-03-03</a:t>
             </a:fld>
             <a:endParaRPr lang="ko-KR" altLang="en-US"/>
           </a:p>
@@ -1481,7 +1548,7 @@
           <a:p>
             <a:fld id="{350791B7-D3C2-4492-9285-E2EB7E1290B5}" type="datetimeFigureOut">
               <a:rPr lang="ko-KR" altLang="en-US" smtClean="0"/>
-              <a:t>2018-02-26</a:t>
+              <a:t>2018-03-03</a:t>
             </a:fld>
             <a:endParaRPr lang="ko-KR" altLang="en-US"/>
           </a:p>
@@ -1756,7 +1823,7 @@
           <a:p>
             <a:fld id="{350791B7-D3C2-4492-9285-E2EB7E1290B5}" type="datetimeFigureOut">
               <a:rPr lang="ko-KR" altLang="en-US" smtClean="0"/>
-              <a:t>2018-02-26</a:t>
+              <a:t>2018-03-03</a:t>
             </a:fld>
             <a:endParaRPr lang="ko-KR" altLang="en-US"/>
           </a:p>
@@ -2021,7 +2088,7 @@
           <a:p>
             <a:fld id="{350791B7-D3C2-4492-9285-E2EB7E1290B5}" type="datetimeFigureOut">
               <a:rPr lang="ko-KR" altLang="en-US" smtClean="0"/>
-              <a:t>2018-02-26</a:t>
+              <a:t>2018-03-03</a:t>
             </a:fld>
             <a:endParaRPr lang="ko-KR" altLang="en-US"/>
           </a:p>
@@ -2433,7 +2500,7 @@
           <a:p>
             <a:fld id="{350791B7-D3C2-4492-9285-E2EB7E1290B5}" type="datetimeFigureOut">
               <a:rPr lang="ko-KR" altLang="en-US" smtClean="0"/>
-              <a:t>2018-02-26</a:t>
+              <a:t>2018-03-03</a:t>
             </a:fld>
             <a:endParaRPr lang="ko-KR" altLang="en-US"/>
           </a:p>
@@ -2574,7 +2641,7 @@
           <a:p>
             <a:fld id="{350791B7-D3C2-4492-9285-E2EB7E1290B5}" type="datetimeFigureOut">
               <a:rPr lang="ko-KR" altLang="en-US" smtClean="0"/>
-              <a:t>2018-02-26</a:t>
+              <a:t>2018-03-03</a:t>
             </a:fld>
             <a:endParaRPr lang="ko-KR" altLang="en-US"/>
           </a:p>
@@ -2687,7 +2754,7 @@
           <a:p>
             <a:fld id="{350791B7-D3C2-4492-9285-E2EB7E1290B5}" type="datetimeFigureOut">
               <a:rPr lang="ko-KR" altLang="en-US" smtClean="0"/>
-              <a:t>2018-02-26</a:t>
+              <a:t>2018-03-03</a:t>
             </a:fld>
             <a:endParaRPr lang="ko-KR" altLang="en-US"/>
           </a:p>
@@ -2998,7 +3065,7 @@
           <a:p>
             <a:fld id="{350791B7-D3C2-4492-9285-E2EB7E1290B5}" type="datetimeFigureOut">
               <a:rPr lang="ko-KR" altLang="en-US" smtClean="0"/>
-              <a:t>2018-02-26</a:t>
+              <a:t>2018-03-03</a:t>
             </a:fld>
             <a:endParaRPr lang="ko-KR" altLang="en-US"/>
           </a:p>
@@ -3286,7 +3353,7 @@
           <a:p>
             <a:fld id="{350791B7-D3C2-4492-9285-E2EB7E1290B5}" type="datetimeFigureOut">
               <a:rPr lang="ko-KR" altLang="en-US" smtClean="0"/>
-              <a:t>2018-02-26</a:t>
+              <a:t>2018-03-03</a:t>
             </a:fld>
             <a:endParaRPr lang="ko-KR" altLang="en-US"/>
           </a:p>
@@ -3527,7 +3594,7 @@
           <a:p>
             <a:fld id="{350791B7-D3C2-4492-9285-E2EB7E1290B5}" type="datetimeFigureOut">
               <a:rPr lang="ko-KR" altLang="en-US" smtClean="0"/>
-              <a:t>2018-02-26</a:t>
+              <a:t>2018-03-03</a:t>
             </a:fld>
             <a:endParaRPr lang="ko-KR" altLang="en-US"/>
           </a:p>
@@ -4041,7 +4108,7 @@
 </file>
 
 <file path=ppt/slides/slide10.xml><?xml version="1.0" encoding="utf-8"?>
-<p:sld xmlns:a="http://schemas.openxmlformats.org/drawingml/2006/main" xmlns:r="http://schemas.openxmlformats.org/officeDocument/2006/relationships" xmlns:p="http://schemas.openxmlformats.org/presentationml/2006/main">
+<p:sld xmlns:a="http://schemas.openxmlformats.org/drawingml/2006/main" xmlns:r="http://schemas.openxmlformats.org/officeDocument/2006/relationships" xmlns:p="http://schemas.openxmlformats.org/presentationml/2006/main" show="0">
   <p:cSld>
     <p:spTree>
       <p:nvGrpSpPr>
@@ -6276,7 +6343,7 @@
 </file>
 
 <file path=ppt/slides/slide11.xml><?xml version="1.0" encoding="utf-8"?>
-<p:sld xmlns:a="http://schemas.openxmlformats.org/drawingml/2006/main" xmlns:r="http://schemas.openxmlformats.org/officeDocument/2006/relationships" xmlns:p="http://schemas.openxmlformats.org/presentationml/2006/main">
+<p:sld xmlns:a="http://schemas.openxmlformats.org/drawingml/2006/main" xmlns:r="http://schemas.openxmlformats.org/officeDocument/2006/relationships" xmlns:p="http://schemas.openxmlformats.org/presentationml/2006/main" show="0">
   <p:cSld>
     <p:spTree>
       <p:nvGrpSpPr>
@@ -14468,7 +14535,7 @@
 </file>
 
 <file path=ppt/slides/slide5.xml><?xml version="1.0" encoding="utf-8"?>
-<p:sld xmlns:a="http://schemas.openxmlformats.org/drawingml/2006/main" xmlns:r="http://schemas.openxmlformats.org/officeDocument/2006/relationships" xmlns:p="http://schemas.openxmlformats.org/presentationml/2006/main">
+<p:sld xmlns:a="http://schemas.openxmlformats.org/drawingml/2006/main" xmlns:r="http://schemas.openxmlformats.org/officeDocument/2006/relationships" xmlns:p="http://schemas.openxmlformats.org/presentationml/2006/main" show="0">
   <p:cSld>
     <p:spTree>
       <p:nvGrpSpPr>
@@ -29478,7 +29545,7 @@
         </p:blipFill>
         <p:spPr bwMode="auto">
           <a:xfrm rot="18900000">
-            <a:off x="4077597" y="5771159"/>
+            <a:off x="7378367" y="5931646"/>
             <a:ext cx="372286" cy="372286"/>
           </a:xfrm>
           <a:prstGeom prst="rect">
@@ -29615,7 +29682,7 @@
         </p:nvSpPr>
         <p:spPr>
           <a:xfrm>
-            <a:off x="1972498" y="3089815"/>
+            <a:off x="5273268" y="3250302"/>
             <a:ext cx="3036498" cy="3201785"/>
           </a:xfrm>
           <a:prstGeom prst="rect">
@@ -29677,7 +29744,7 @@
         </p:nvGrpSpPr>
         <p:grpSpPr>
           <a:xfrm>
-            <a:off x="2066536" y="3225234"/>
+            <a:off x="5367306" y="3385721"/>
             <a:ext cx="2844816" cy="2497668"/>
             <a:chOff x="3138993" y="2600325"/>
             <a:chExt cx="3513043" cy="2017394"/>
@@ -30084,7 +30151,7 @@
         </p:nvSpPr>
         <p:spPr>
           <a:xfrm>
-            <a:off x="3958005" y="5904491"/>
+            <a:off x="7258775" y="6064978"/>
             <a:ext cx="953346" cy="306185"/>
           </a:xfrm>
           <a:prstGeom prst="roundRect">
@@ -30166,7 +30233,7 @@
         </p:nvSpPr>
         <p:spPr>
           <a:xfrm>
-            <a:off x="4570013" y="3590697"/>
+            <a:off x="7870783" y="3751184"/>
             <a:ext cx="290464" cy="219074"/>
           </a:xfrm>
           <a:prstGeom prst="roundRect">
@@ -30248,7 +30315,7 @@
         </p:nvGrpSpPr>
         <p:grpSpPr>
           <a:xfrm>
-            <a:off x="2132172" y="3951744"/>
+            <a:off x="5432942" y="4112231"/>
             <a:ext cx="2728305" cy="1533690"/>
             <a:chOff x="4610405" y="3047458"/>
             <a:chExt cx="1651415" cy="1533690"/>
@@ -30685,7 +30752,7 @@
         </p:nvSpPr>
         <p:spPr>
           <a:xfrm>
-            <a:off x="2143007" y="3597785"/>
+            <a:off x="5443777" y="3758272"/>
             <a:ext cx="2278487" cy="219074"/>
           </a:xfrm>
           <a:prstGeom prst="rect">
@@ -30767,7 +30834,7 @@
         </p:nvGrpSpPr>
         <p:grpSpPr>
           <a:xfrm>
-            <a:off x="2201299" y="4003099"/>
+            <a:off x="5502069" y="4163586"/>
             <a:ext cx="1488856" cy="230832"/>
             <a:chOff x="4317072" y="3312427"/>
             <a:chExt cx="1488856" cy="230832"/>
@@ -30983,7 +31050,7 @@
         </p:nvGrpSpPr>
         <p:grpSpPr>
           <a:xfrm>
-            <a:off x="2238667" y="4271077"/>
+            <a:off x="5539437" y="4431564"/>
             <a:ext cx="1451493" cy="230832"/>
             <a:chOff x="5179843" y="2087449"/>
             <a:chExt cx="1360342" cy="216403"/>
@@ -31142,7 +31209,7 @@
         </p:blipFill>
         <p:spPr bwMode="auto">
           <a:xfrm>
-            <a:off x="4123782" y="3559924"/>
+            <a:off x="7424552" y="3720411"/>
             <a:ext cx="310896" cy="310896"/>
           </a:xfrm>
           <a:prstGeom prst="rect">
@@ -31177,7 +31244,7 @@
         </p:nvSpPr>
         <p:spPr>
           <a:xfrm>
-            <a:off x="5046364" y="3089814"/>
+            <a:off x="8347134" y="3250301"/>
             <a:ext cx="3036498" cy="3201785"/>
           </a:xfrm>
           <a:prstGeom prst="rect">
@@ -31239,7 +31306,7 @@
         </p:nvSpPr>
         <p:spPr>
           <a:xfrm>
-            <a:off x="7031871" y="5904490"/>
+            <a:off x="10332641" y="6064977"/>
             <a:ext cx="953346" cy="306185"/>
           </a:xfrm>
           <a:prstGeom prst="roundRect">
@@ -31321,7 +31388,7 @@
         </p:nvGrpSpPr>
         <p:grpSpPr>
           <a:xfrm>
-            <a:off x="5099617" y="3225234"/>
+            <a:off x="8400387" y="3385721"/>
             <a:ext cx="2844815" cy="2497668"/>
             <a:chOff x="3138993" y="2600325"/>
             <a:chExt cx="3513043" cy="2017394"/>
@@ -31731,7 +31798,7 @@
         </p:nvGrpSpPr>
         <p:grpSpPr>
           <a:xfrm>
-            <a:off x="5225745" y="3594639"/>
+            <a:off x="8526515" y="3755126"/>
             <a:ext cx="482151" cy="219074"/>
             <a:chOff x="4016824" y="3329200"/>
             <a:chExt cx="1097652" cy="228600"/>
@@ -31885,7 +31952,7 @@
         </p:nvGrpSpPr>
         <p:grpSpPr>
           <a:xfrm>
-            <a:off x="5876833" y="3594639"/>
+            <a:off x="9177603" y="3755126"/>
             <a:ext cx="697838" cy="219074"/>
             <a:chOff x="4016824" y="3329200"/>
             <a:chExt cx="1097652" cy="228600"/>
@@ -32039,7 +32106,7 @@
         </p:nvGrpSpPr>
         <p:grpSpPr>
           <a:xfrm>
-            <a:off x="6791656" y="3594639"/>
+            <a:off x="10092426" y="3755126"/>
             <a:ext cx="697838" cy="219074"/>
             <a:chOff x="4016824" y="3329200"/>
             <a:chExt cx="1097652" cy="228600"/>
@@ -32193,7 +32260,7 @@
         </p:nvSpPr>
         <p:spPr>
           <a:xfrm>
-            <a:off x="6545563" y="3576013"/>
+            <a:off x="9846333" y="3736500"/>
             <a:ext cx="290464" cy="230832"/>
           </a:xfrm>
           <a:prstGeom prst="rect">
@@ -32239,7 +32306,7 @@
         </p:nvSpPr>
         <p:spPr>
           <a:xfrm>
-            <a:off x="7643879" y="3590696"/>
+            <a:off x="10944649" y="3751183"/>
             <a:ext cx="290464" cy="219074"/>
           </a:xfrm>
           <a:prstGeom prst="roundRect">
@@ -32321,7 +32388,7 @@
         </p:nvGrpSpPr>
         <p:grpSpPr>
           <a:xfrm>
-            <a:off x="5206038" y="3951743"/>
+            <a:off x="8506808" y="4112230"/>
             <a:ext cx="2728305" cy="1533690"/>
             <a:chOff x="4610405" y="3047458"/>
             <a:chExt cx="1651415" cy="1533690"/>
@@ -34650,7 +34717,7 @@
 </file>
 
 <file path=ppt/slides/slide9.xml><?xml version="1.0" encoding="utf-8"?>
-<p:sld xmlns:a="http://schemas.openxmlformats.org/drawingml/2006/main" xmlns:r="http://schemas.openxmlformats.org/officeDocument/2006/relationships" xmlns:p="http://schemas.openxmlformats.org/presentationml/2006/main">
+<p:sld xmlns:a="http://schemas.openxmlformats.org/drawingml/2006/main" xmlns:r="http://schemas.openxmlformats.org/officeDocument/2006/relationships" xmlns:p="http://schemas.openxmlformats.org/presentationml/2006/main" show="0">
   <p:cSld>
     <p:spTree>
       <p:nvGrpSpPr>
